--- a/20180926/Developing multilingual Applikations in WPF.pptx
+++ b/20180926/Developing multilingual Applikations in WPF.pptx
@@ -4,6 +4,9 @@
   <p:sldMasterIdLst>
     <p:sldMasterId id="2147483690" r:id="rId1"/>
   </p:sldMasterIdLst>
+  <p:notesMasterIdLst>
+    <p:notesMasterId r:id="rId11"/>
+  </p:notesMasterIdLst>
   <p:sldIdLst>
     <p:sldId id="256" r:id="rId2"/>
     <p:sldId id="258" r:id="rId3"/>
@@ -12,7 +15,8 @@
     <p:sldId id="261" r:id="rId6"/>
     <p:sldId id="262" r:id="rId7"/>
     <p:sldId id="263" r:id="rId8"/>
-    <p:sldId id="257" r:id="rId9"/>
+    <p:sldId id="264" r:id="rId9"/>
+    <p:sldId id="257" r:id="rId10"/>
   </p:sldIdLst>
   <p:sldSz cx="12192000" cy="6858000"/>
   <p:notesSz cx="6858000" cy="9144000"/>
@@ -114,6 +118,355 @@
 </p:presentation>
 </file>
 
+<file path=ppt/notesMasters/notesMaster1.xml><?xml version="1.0" encoding="utf-8"?>
+<p:notesMaster xmlns:a="http://schemas.openxmlformats.org/drawingml/2006/main" xmlns:r="http://schemas.openxmlformats.org/officeDocument/2006/relationships" xmlns:p="http://schemas.openxmlformats.org/presentationml/2006/main">
+  <p:cSld>
+    <p:bg>
+      <p:bgRef idx="1001">
+        <a:schemeClr val="bg1"/>
+      </p:bgRef>
+    </p:bg>
+    <p:spTree>
+      <p:nvGrpSpPr>
+        <p:cNvPr id="1" name=""/>
+        <p:cNvGrpSpPr/>
+        <p:nvPr/>
+      </p:nvGrpSpPr>
+      <p:grpSpPr>
+        <a:xfrm>
+          <a:off x="0" y="0"/>
+          <a:ext cx="0" cy="0"/>
+          <a:chOff x="0" y="0"/>
+          <a:chExt cx="0" cy="0"/>
+        </a:xfrm>
+      </p:grpSpPr>
+      <p:sp>
+        <p:nvSpPr>
+          <p:cNvPr id="2" name="Kopfzeilenplatzhalter 1"/>
+          <p:cNvSpPr>
+            <a:spLocks noGrp="1"/>
+          </p:cNvSpPr>
+          <p:nvPr>
+            <p:ph type="hdr" sz="quarter"/>
+          </p:nvPr>
+        </p:nvSpPr>
+        <p:spPr>
+          <a:xfrm>
+            <a:off x="0" y="0"/>
+            <a:ext cx="2971800" cy="458788"/>
+          </a:xfrm>
+          <a:prstGeom prst="rect">
+            <a:avLst/>
+          </a:prstGeom>
+        </p:spPr>
+        <p:txBody>
+          <a:bodyPr vert="horz" lIns="91440" tIns="45720" rIns="91440" bIns="45720" rtlCol="0"/>
+          <a:lstStyle>
+            <a:lvl1pPr algn="l">
+              <a:defRPr sz="1200"/>
+            </a:lvl1pPr>
+          </a:lstStyle>
+          <a:p>
+            <a:endParaRPr lang="de-DE"/>
+          </a:p>
+        </p:txBody>
+      </p:sp>
+      <p:sp>
+        <p:nvSpPr>
+          <p:cNvPr id="3" name="Datumsplatzhalter 2"/>
+          <p:cNvSpPr>
+            <a:spLocks noGrp="1"/>
+          </p:cNvSpPr>
+          <p:nvPr>
+            <p:ph type="dt" idx="1"/>
+          </p:nvPr>
+        </p:nvSpPr>
+        <p:spPr>
+          <a:xfrm>
+            <a:off x="3884613" y="0"/>
+            <a:ext cx="2971800" cy="458788"/>
+          </a:xfrm>
+          <a:prstGeom prst="rect">
+            <a:avLst/>
+          </a:prstGeom>
+        </p:spPr>
+        <p:txBody>
+          <a:bodyPr vert="horz" lIns="91440" tIns="45720" rIns="91440" bIns="45720" rtlCol="0"/>
+          <a:lstStyle>
+            <a:lvl1pPr algn="r">
+              <a:defRPr sz="1200"/>
+            </a:lvl1pPr>
+          </a:lstStyle>
+          <a:p>
+            <a:fld id="{7C771BAC-947C-40D6-8B27-060BD9D0B63B}" type="datetimeFigureOut">
+              <a:rPr lang="de-DE" smtClean="0"/>
+              <a:t>26.09.2018</a:t>
+            </a:fld>
+            <a:endParaRPr lang="de-DE"/>
+          </a:p>
+        </p:txBody>
+      </p:sp>
+      <p:sp>
+        <p:nvSpPr>
+          <p:cNvPr id="4" name="Folienbildplatzhalter 3"/>
+          <p:cNvSpPr>
+            <a:spLocks noGrp="1" noRot="1" noChangeAspect="1"/>
+          </p:cNvSpPr>
+          <p:nvPr>
+            <p:ph type="sldImg" idx="2"/>
+          </p:nvPr>
+        </p:nvSpPr>
+        <p:spPr>
+          <a:xfrm>
+            <a:off x="685800" y="1143000"/>
+            <a:ext cx="5486400" cy="3086100"/>
+          </a:xfrm>
+          <a:prstGeom prst="rect">
+            <a:avLst/>
+          </a:prstGeom>
+          <a:noFill/>
+          <a:ln w="12700">
+            <a:solidFill>
+              <a:prstClr val="black"/>
+            </a:solidFill>
+          </a:ln>
+        </p:spPr>
+        <p:txBody>
+          <a:bodyPr vert="horz" lIns="91440" tIns="45720" rIns="91440" bIns="45720" rtlCol="0" anchor="ctr"/>
+          <a:lstStyle/>
+          <a:p>
+            <a:endParaRPr lang="de-DE"/>
+          </a:p>
+        </p:txBody>
+      </p:sp>
+      <p:sp>
+        <p:nvSpPr>
+          <p:cNvPr id="5" name="Notizenplatzhalter 4"/>
+          <p:cNvSpPr>
+            <a:spLocks noGrp="1"/>
+          </p:cNvSpPr>
+          <p:nvPr>
+            <p:ph type="body" sz="quarter" idx="3"/>
+          </p:nvPr>
+        </p:nvSpPr>
+        <p:spPr>
+          <a:xfrm>
+            <a:off x="685800" y="4400550"/>
+            <a:ext cx="5486400" cy="3600450"/>
+          </a:xfrm>
+          <a:prstGeom prst="rect">
+            <a:avLst/>
+          </a:prstGeom>
+        </p:spPr>
+        <p:txBody>
+          <a:bodyPr vert="horz" lIns="91440" tIns="45720" rIns="91440" bIns="45720" rtlCol="0"/>
+          <a:lstStyle/>
+          <a:p>
+            <a:pPr lvl="0"/>
+            <a:r>
+              <a:rPr lang="de-DE"/>
+              <a:t>Mastertextformat bearbeiten</a:t>
+            </a:r>
+          </a:p>
+          <a:p>
+            <a:pPr lvl="1"/>
+            <a:r>
+              <a:rPr lang="de-DE"/>
+              <a:t>Zweite Ebene</a:t>
+            </a:r>
+          </a:p>
+          <a:p>
+            <a:pPr lvl="2"/>
+            <a:r>
+              <a:rPr lang="de-DE"/>
+              <a:t>Dritte Ebene</a:t>
+            </a:r>
+          </a:p>
+          <a:p>
+            <a:pPr lvl="3"/>
+            <a:r>
+              <a:rPr lang="de-DE"/>
+              <a:t>Vierte Ebene</a:t>
+            </a:r>
+          </a:p>
+          <a:p>
+            <a:pPr lvl="4"/>
+            <a:r>
+              <a:rPr lang="de-DE"/>
+              <a:t>Fünfte Ebene</a:t>
+            </a:r>
+          </a:p>
+        </p:txBody>
+      </p:sp>
+      <p:sp>
+        <p:nvSpPr>
+          <p:cNvPr id="6" name="Fußzeilenplatzhalter 5"/>
+          <p:cNvSpPr>
+            <a:spLocks noGrp="1"/>
+          </p:cNvSpPr>
+          <p:nvPr>
+            <p:ph type="ftr" sz="quarter" idx="4"/>
+          </p:nvPr>
+        </p:nvSpPr>
+        <p:spPr>
+          <a:xfrm>
+            <a:off x="0" y="8685213"/>
+            <a:ext cx="2971800" cy="458787"/>
+          </a:xfrm>
+          <a:prstGeom prst="rect">
+            <a:avLst/>
+          </a:prstGeom>
+        </p:spPr>
+        <p:txBody>
+          <a:bodyPr vert="horz" lIns="91440" tIns="45720" rIns="91440" bIns="45720" rtlCol="0" anchor="b"/>
+          <a:lstStyle>
+            <a:lvl1pPr algn="l">
+              <a:defRPr sz="1200"/>
+            </a:lvl1pPr>
+          </a:lstStyle>
+          <a:p>
+            <a:endParaRPr lang="de-DE"/>
+          </a:p>
+        </p:txBody>
+      </p:sp>
+      <p:sp>
+        <p:nvSpPr>
+          <p:cNvPr id="7" name="Foliennummernplatzhalter 6"/>
+          <p:cNvSpPr>
+            <a:spLocks noGrp="1"/>
+          </p:cNvSpPr>
+          <p:nvPr>
+            <p:ph type="sldNum" sz="quarter" idx="5"/>
+          </p:nvPr>
+        </p:nvSpPr>
+        <p:spPr>
+          <a:xfrm>
+            <a:off x="3884613" y="8685213"/>
+            <a:ext cx="2971800" cy="458787"/>
+          </a:xfrm>
+          <a:prstGeom prst="rect">
+            <a:avLst/>
+          </a:prstGeom>
+        </p:spPr>
+        <p:txBody>
+          <a:bodyPr vert="horz" lIns="91440" tIns="45720" rIns="91440" bIns="45720" rtlCol="0" anchor="b"/>
+          <a:lstStyle>
+            <a:lvl1pPr algn="r">
+              <a:defRPr sz="1200"/>
+            </a:lvl1pPr>
+          </a:lstStyle>
+          <a:p>
+            <a:fld id="{BBFB4024-99F3-4F77-A079-229D1028FE9F}" type="slidenum">
+              <a:rPr lang="de-DE" smtClean="0"/>
+              <a:t>‹Nr.›</a:t>
+            </a:fld>
+            <a:endParaRPr lang="de-DE"/>
+          </a:p>
+        </p:txBody>
+      </p:sp>
+    </p:spTree>
+    <p:extLst>
+      <p:ext uri="{BB962C8B-B14F-4D97-AF65-F5344CB8AC3E}">
+        <p14:creationId xmlns:p14="http://schemas.microsoft.com/office/powerpoint/2010/main" val="3826965273"/>
+      </p:ext>
+    </p:extLst>
+  </p:cSld>
+  <p:clrMap bg1="lt1" tx1="dk1" bg2="lt2" tx2="dk2" accent1="accent1" accent2="accent2" accent3="accent3" accent4="accent4" accent5="accent5" accent6="accent6" hlink="hlink" folHlink="folHlink"/>
+  <p:notesStyle>
+    <a:lvl1pPr marL="0" algn="l" defTabSz="914400" rtl="0" eaLnBrk="1" latinLnBrk="0" hangingPunct="1">
+      <a:defRPr sz="1200" kern="1200">
+        <a:solidFill>
+          <a:schemeClr val="tx1"/>
+        </a:solidFill>
+        <a:latin typeface="+mn-lt"/>
+        <a:ea typeface="+mn-ea"/>
+        <a:cs typeface="+mn-cs"/>
+      </a:defRPr>
+    </a:lvl1pPr>
+    <a:lvl2pPr marL="457200" algn="l" defTabSz="914400" rtl="0" eaLnBrk="1" latinLnBrk="0" hangingPunct="1">
+      <a:defRPr sz="1200" kern="1200">
+        <a:solidFill>
+          <a:schemeClr val="tx1"/>
+        </a:solidFill>
+        <a:latin typeface="+mn-lt"/>
+        <a:ea typeface="+mn-ea"/>
+        <a:cs typeface="+mn-cs"/>
+      </a:defRPr>
+    </a:lvl2pPr>
+    <a:lvl3pPr marL="914400" algn="l" defTabSz="914400" rtl="0" eaLnBrk="1" latinLnBrk="0" hangingPunct="1">
+      <a:defRPr sz="1200" kern="1200">
+        <a:solidFill>
+          <a:schemeClr val="tx1"/>
+        </a:solidFill>
+        <a:latin typeface="+mn-lt"/>
+        <a:ea typeface="+mn-ea"/>
+        <a:cs typeface="+mn-cs"/>
+      </a:defRPr>
+    </a:lvl3pPr>
+    <a:lvl4pPr marL="1371600" algn="l" defTabSz="914400" rtl="0" eaLnBrk="1" latinLnBrk="0" hangingPunct="1">
+      <a:defRPr sz="1200" kern="1200">
+        <a:solidFill>
+          <a:schemeClr val="tx1"/>
+        </a:solidFill>
+        <a:latin typeface="+mn-lt"/>
+        <a:ea typeface="+mn-ea"/>
+        <a:cs typeface="+mn-cs"/>
+      </a:defRPr>
+    </a:lvl4pPr>
+    <a:lvl5pPr marL="1828800" algn="l" defTabSz="914400" rtl="0" eaLnBrk="1" latinLnBrk="0" hangingPunct="1">
+      <a:defRPr sz="1200" kern="1200">
+        <a:solidFill>
+          <a:schemeClr val="tx1"/>
+        </a:solidFill>
+        <a:latin typeface="+mn-lt"/>
+        <a:ea typeface="+mn-ea"/>
+        <a:cs typeface="+mn-cs"/>
+      </a:defRPr>
+    </a:lvl5pPr>
+    <a:lvl6pPr marL="2286000" algn="l" defTabSz="914400" rtl="0" eaLnBrk="1" latinLnBrk="0" hangingPunct="1">
+      <a:defRPr sz="1200" kern="1200">
+        <a:solidFill>
+          <a:schemeClr val="tx1"/>
+        </a:solidFill>
+        <a:latin typeface="+mn-lt"/>
+        <a:ea typeface="+mn-ea"/>
+        <a:cs typeface="+mn-cs"/>
+      </a:defRPr>
+    </a:lvl6pPr>
+    <a:lvl7pPr marL="2743200" algn="l" defTabSz="914400" rtl="0" eaLnBrk="1" latinLnBrk="0" hangingPunct="1">
+      <a:defRPr sz="1200" kern="1200">
+        <a:solidFill>
+          <a:schemeClr val="tx1"/>
+        </a:solidFill>
+        <a:latin typeface="+mn-lt"/>
+        <a:ea typeface="+mn-ea"/>
+        <a:cs typeface="+mn-cs"/>
+      </a:defRPr>
+    </a:lvl7pPr>
+    <a:lvl8pPr marL="3200400" algn="l" defTabSz="914400" rtl="0" eaLnBrk="1" latinLnBrk="0" hangingPunct="1">
+      <a:defRPr sz="1200" kern="1200">
+        <a:solidFill>
+          <a:schemeClr val="tx1"/>
+        </a:solidFill>
+        <a:latin typeface="+mn-lt"/>
+        <a:ea typeface="+mn-ea"/>
+        <a:cs typeface="+mn-cs"/>
+      </a:defRPr>
+    </a:lvl8pPr>
+    <a:lvl9pPr marL="3657600" algn="l" defTabSz="914400" rtl="0" eaLnBrk="1" latinLnBrk="0" hangingPunct="1">
+      <a:defRPr sz="1200" kern="1200">
+        <a:solidFill>
+          <a:schemeClr val="tx1"/>
+        </a:solidFill>
+        <a:latin typeface="+mn-lt"/>
+        <a:ea typeface="+mn-ea"/>
+        <a:cs typeface="+mn-cs"/>
+      </a:defRPr>
+    </a:lvl9pPr>
+  </p:notesStyle>
+</p:notesMaster>
+</file>
+
 <file path=ppt/slideLayouts/slideLayout1.xml><?xml version="1.0" encoding="utf-8"?>
 <p:sldLayout xmlns:a="http://schemas.openxmlformats.org/drawingml/2006/main" xmlns:r="http://schemas.openxmlformats.org/officeDocument/2006/relationships" xmlns:p="http://schemas.openxmlformats.org/presentationml/2006/main" showMasterSp="0" type="title" preserve="1">
   <p:cSld name="Titelfolie">
@@ -340,7 +693,7 @@
           <a:bodyPr/>
           <a:lstStyle/>
           <a:p>
-            <a:fld id="{8FFC71A4-C304-447F-BAA4-E5BA86180421}" type="datetimeFigureOut">
+            <a:fld id="{87B91096-F5F7-4C5E-8341-E82CFC12E994}" type="datetime1">
               <a:rPr lang="de-DE" smtClean="0"/>
               <a:t>26.09.2018</a:t>
             </a:fld>
@@ -363,6 +716,10 @@
           <a:bodyPr/>
           <a:lstStyle/>
           <a:p>
+            <a:r>
+              <a:rPr lang="en-US"/>
+              <a:t>Developing Multilingual Applications in WPF - Johannes Kolata</a:t>
+            </a:r>
             <a:endParaRPr lang="de-DE"/>
           </a:p>
         </p:txBody>
@@ -548,7 +905,7 @@
           <a:bodyPr/>
           <a:lstStyle/>
           <a:p>
-            <a:fld id="{8FFC71A4-C304-447F-BAA4-E5BA86180421}" type="datetimeFigureOut">
+            <a:fld id="{E6DA23BB-B11D-4E2F-BB60-9AF84A15A070}" type="datetime1">
               <a:rPr lang="de-DE" smtClean="0"/>
               <a:t>26.09.2018</a:t>
             </a:fld>
@@ -571,6 +928,10 @@
           <a:bodyPr/>
           <a:lstStyle/>
           <a:p>
+            <a:r>
+              <a:rPr lang="en-US"/>
+              <a:t>Developing Multilingual Applications in WPF - Johannes Kolata</a:t>
+            </a:r>
             <a:endParaRPr lang="de-DE"/>
           </a:p>
         </p:txBody>
@@ -806,7 +1167,7 @@
           <a:bodyPr/>
           <a:lstStyle/>
           <a:p>
-            <a:fld id="{8FFC71A4-C304-447F-BAA4-E5BA86180421}" type="datetimeFigureOut">
+            <a:fld id="{355899F0-4019-462D-8E87-87425B4ADEC3}" type="datetime1">
               <a:rPr lang="de-DE" smtClean="0"/>
               <a:t>26.09.2018</a:t>
             </a:fld>
@@ -829,6 +1190,10 @@
           <a:bodyPr/>
           <a:lstStyle/>
           <a:p>
+            <a:r>
+              <a:rPr lang="en-US"/>
+              <a:t>Developing Multilingual Applications in WPF - Johannes Kolata</a:t>
+            </a:r>
             <a:endParaRPr lang="de-DE"/>
           </a:p>
         </p:txBody>
@@ -976,7 +1341,7 @@
           <a:bodyPr/>
           <a:lstStyle/>
           <a:p>
-            <a:fld id="{8FFC71A4-C304-447F-BAA4-E5BA86180421}" type="datetimeFigureOut">
+            <a:fld id="{A9DF85A2-4E70-4052-9EF3-8D1C2615FEE2}" type="datetime1">
               <a:rPr lang="de-DE" smtClean="0"/>
               <a:t>26.09.2018</a:t>
             </a:fld>
@@ -999,6 +1364,10 @@
           <a:bodyPr/>
           <a:lstStyle/>
           <a:p>
+            <a:r>
+              <a:rPr lang="en-US"/>
+              <a:t>Developing Multilingual Applications in WPF - Johannes Kolata</a:t>
+            </a:r>
             <a:endParaRPr lang="de-DE"/>
           </a:p>
         </p:txBody>
@@ -1313,7 +1682,7 @@
           <a:bodyPr/>
           <a:lstStyle/>
           <a:p>
-            <a:fld id="{8FFC71A4-C304-447F-BAA4-E5BA86180421}" type="datetimeFigureOut">
+            <a:fld id="{DBC10E9B-A246-44F5-993D-A8EC13C531FD}" type="datetime1">
               <a:rPr lang="de-DE" smtClean="0"/>
               <a:t>26.09.2018</a:t>
             </a:fld>
@@ -1336,6 +1705,10 @@
           <a:bodyPr/>
           <a:lstStyle/>
           <a:p>
+            <a:r>
+              <a:rPr lang="en-US"/>
+              <a:t>Developing Multilingual Applications in WPF - Johannes Kolata</a:t>
+            </a:r>
             <a:endParaRPr lang="de-DE"/>
           </a:p>
         </p:txBody>
@@ -1588,7 +1961,7 @@
           <a:bodyPr/>
           <a:lstStyle/>
           <a:p>
-            <a:fld id="{8FFC71A4-C304-447F-BAA4-E5BA86180421}" type="datetimeFigureOut">
+            <a:fld id="{C47A99E2-489E-4F15-87F3-FF68A5410345}" type="datetime1">
               <a:rPr lang="de-DE" smtClean="0"/>
               <a:t>26.09.2018</a:t>
             </a:fld>
@@ -1611,6 +1984,10 @@
           <a:bodyPr/>
           <a:lstStyle/>
           <a:p>
+            <a:r>
+              <a:rPr lang="en-US"/>
+              <a:t>Developing Multilingual Applications in WPF - Johannes Kolata</a:t>
+            </a:r>
             <a:endParaRPr lang="de-DE"/>
           </a:p>
         </p:txBody>
@@ -1967,7 +2344,7 @@
           <a:bodyPr/>
           <a:lstStyle/>
           <a:p>
-            <a:fld id="{8FFC71A4-C304-447F-BAA4-E5BA86180421}" type="datetimeFigureOut">
+            <a:fld id="{33EE83EE-7DB2-43D2-B505-C0C5BDD64804}" type="datetime1">
               <a:rPr lang="de-DE" smtClean="0"/>
               <a:t>26.09.2018</a:t>
             </a:fld>
@@ -1990,6 +2367,10 @@
           <a:bodyPr/>
           <a:lstStyle/>
           <a:p>
+            <a:r>
+              <a:rPr lang="en-US"/>
+              <a:t>Developing Multilingual Applications in WPF - Johannes Kolata</a:t>
+            </a:r>
             <a:endParaRPr lang="de-DE"/>
           </a:p>
         </p:txBody>
@@ -2085,7 +2466,7 @@
           <a:bodyPr/>
           <a:lstStyle/>
           <a:p>
-            <a:fld id="{8FFC71A4-C304-447F-BAA4-E5BA86180421}" type="datetimeFigureOut">
+            <a:fld id="{01FAAAE0-5252-4267-AA55-8F8E8BF95FD1}" type="datetime1">
               <a:rPr lang="de-DE" smtClean="0"/>
               <a:t>26.09.2018</a:t>
             </a:fld>
@@ -2108,6 +2489,10 @@
           <a:bodyPr/>
           <a:lstStyle/>
           <a:p>
+            <a:r>
+              <a:rPr lang="en-US"/>
+              <a:t>Developing Multilingual Applications in WPF - Johannes Kolata</a:t>
+            </a:r>
             <a:endParaRPr lang="de-DE"/>
           </a:p>
         </p:txBody>
@@ -2258,7 +2643,7 @@
           <a:bodyPr/>
           <a:lstStyle/>
           <a:p>
-            <a:fld id="{8FFC71A4-C304-447F-BAA4-E5BA86180421}" type="datetimeFigureOut">
+            <a:fld id="{E9193819-4124-4B72-916A-285E8A4A763B}" type="datetime1">
               <a:rPr lang="de-DE" smtClean="0"/>
               <a:t>26.09.2018</a:t>
             </a:fld>
@@ -2289,6 +2674,10 @@
             </a:lvl1pPr>
           </a:lstStyle>
           <a:p>
+            <a:r>
+              <a:rPr lang="en-US"/>
+              <a:t>Developing Multilingual Applications in WPF - Johannes Kolata</a:t>
+            </a:r>
             <a:endParaRPr lang="de-DE"/>
           </a:p>
         </p:txBody>
@@ -2614,7 +3003,7 @@
             </a:lvl1pPr>
           </a:lstStyle>
           <a:p>
-            <a:fld id="{8FFC71A4-C304-447F-BAA4-E5BA86180421}" type="datetimeFigureOut">
+            <a:fld id="{F5FD9F27-CC7C-4966-810A-EC66A640EEF4}" type="datetime1">
               <a:rPr lang="de-DE" smtClean="0"/>
               <a:t>26.09.2018</a:t>
             </a:fld>
@@ -2650,6 +3039,10 @@
             </a:lvl1pPr>
           </a:lstStyle>
           <a:p>
+            <a:r>
+              <a:rPr lang="en-US"/>
+              <a:t>Developing Multilingual Applications in WPF - Johannes Kolata</a:t>
+            </a:r>
             <a:endParaRPr lang="de-DE"/>
           </a:p>
         </p:txBody>
@@ -2993,7 +3386,7 @@
           <a:bodyPr/>
           <a:lstStyle/>
           <a:p>
-            <a:fld id="{8FFC71A4-C304-447F-BAA4-E5BA86180421}" type="datetimeFigureOut">
+            <a:fld id="{2CDD9BC2-E746-4157-A14B-96BBE9AF6156}" type="datetime1">
               <a:rPr lang="de-DE" smtClean="0"/>
               <a:t>26.09.2018</a:t>
             </a:fld>
@@ -3016,6 +3409,10 @@
           <a:bodyPr/>
           <a:lstStyle/>
           <a:p>
+            <a:r>
+              <a:rPr lang="en-US"/>
+              <a:t>Developing Multilingual Applications in WPF - Johannes Kolata</a:t>
+            </a:r>
             <a:endParaRPr lang="de-DE"/>
           </a:p>
         </p:txBody>
@@ -3282,7 +3679,7 @@
             </a:lvl1pPr>
           </a:lstStyle>
           <a:p>
-            <a:fld id="{8FFC71A4-C304-447F-BAA4-E5BA86180421}" type="datetimeFigureOut">
+            <a:fld id="{655E8E7C-4745-458F-9BF1-AA41918C4AE0}" type="datetime1">
               <a:rPr lang="de-DE" smtClean="0"/>
               <a:t>26.09.2018</a:t>
             </a:fld>
@@ -3321,6 +3718,10 @@
             </a:lvl1pPr>
           </a:lstStyle>
           <a:p>
+            <a:r>
+              <a:rPr lang="en-US"/>
+              <a:t>Developing Multilingual Applications in WPF - Johannes Kolata</a:t>
+            </a:r>
             <a:endParaRPr lang="de-DE"/>
           </a:p>
         </p:txBody>
@@ -3423,6 +3824,7 @@
     <p:sldLayoutId id="2147483700" r:id="rId10"/>
     <p:sldLayoutId id="2147483701" r:id="rId11"/>
   </p:sldLayoutIdLst>
+  <p:hf hdr="0"/>
   <p:txStyles>
     <p:titleStyle>
       <a:lvl1pPr algn="l" defTabSz="914400" rtl="0" eaLnBrk="1" latinLnBrk="0" hangingPunct="1">
@@ -3855,6 +4257,93 @@
           </a:p>
         </p:txBody>
       </p:sp>
+      <p:sp>
+        <p:nvSpPr>
+          <p:cNvPr id="4" name="Foliennummernplatzhalter 3">
+            <a:extLst>
+              <a:ext uri="{FF2B5EF4-FFF2-40B4-BE49-F238E27FC236}">
+                <a16:creationId xmlns:a16="http://schemas.microsoft.com/office/drawing/2014/main" id="{A3D33AFC-80E6-4B29-B955-D6C7C7BE3AE4}"/>
+              </a:ext>
+            </a:extLst>
+          </p:cNvPr>
+          <p:cNvSpPr>
+            <a:spLocks noGrp="1"/>
+          </p:cNvSpPr>
+          <p:nvPr>
+            <p:ph type="sldNum" sz="quarter" idx="12"/>
+          </p:nvPr>
+        </p:nvSpPr>
+        <p:spPr/>
+        <p:txBody>
+          <a:bodyPr/>
+          <a:lstStyle/>
+          <a:p>
+            <a:fld id="{58CAACEB-2C49-4DBE-A548-363F7515F892}" type="slidenum">
+              <a:rPr lang="de-DE" smtClean="0"/>
+              <a:t>1</a:t>
+            </a:fld>
+            <a:endParaRPr lang="de-DE"/>
+          </a:p>
+        </p:txBody>
+      </p:sp>
+      <p:sp>
+        <p:nvSpPr>
+          <p:cNvPr id="5" name="Datumsplatzhalter 4">
+            <a:extLst>
+              <a:ext uri="{FF2B5EF4-FFF2-40B4-BE49-F238E27FC236}">
+                <a16:creationId xmlns:a16="http://schemas.microsoft.com/office/drawing/2014/main" id="{17075D62-B4A7-4725-A53E-B48C76C00ABF}"/>
+              </a:ext>
+            </a:extLst>
+          </p:cNvPr>
+          <p:cNvSpPr>
+            <a:spLocks noGrp="1"/>
+          </p:cNvSpPr>
+          <p:nvPr>
+            <p:ph type="dt" sz="half" idx="10"/>
+          </p:nvPr>
+        </p:nvSpPr>
+        <p:spPr/>
+        <p:txBody>
+          <a:bodyPr/>
+          <a:lstStyle/>
+          <a:p>
+            <a:fld id="{7D357624-B2BE-41E2-91FB-056AD5FDA103}" type="datetime1">
+              <a:rPr lang="de-DE" smtClean="0"/>
+              <a:t>26.09.2018</a:t>
+            </a:fld>
+            <a:endParaRPr lang="de-DE"/>
+          </a:p>
+        </p:txBody>
+      </p:sp>
+      <p:sp>
+        <p:nvSpPr>
+          <p:cNvPr id="6" name="Fußzeilenplatzhalter 5">
+            <a:extLst>
+              <a:ext uri="{FF2B5EF4-FFF2-40B4-BE49-F238E27FC236}">
+                <a16:creationId xmlns:a16="http://schemas.microsoft.com/office/drawing/2014/main" id="{CBE52A66-5713-41B4-911B-5A62B65F9720}"/>
+              </a:ext>
+            </a:extLst>
+          </p:cNvPr>
+          <p:cNvSpPr>
+            <a:spLocks noGrp="1"/>
+          </p:cNvSpPr>
+          <p:nvPr>
+            <p:ph type="ftr" sz="quarter" idx="11"/>
+          </p:nvPr>
+        </p:nvSpPr>
+        <p:spPr/>
+        <p:txBody>
+          <a:bodyPr/>
+          <a:lstStyle/>
+          <a:p>
+            <a:r>
+              <a:rPr lang="en-US"/>
+              <a:t>Developing Multilingual Applications in WPF - Johannes Kolata</a:t>
+            </a:r>
+            <a:endParaRPr lang="de-DE"/>
+          </a:p>
+        </p:txBody>
+      </p:sp>
     </p:spTree>
     <p:extLst>
       <p:ext uri="{BB962C8B-B14F-4D97-AF65-F5344CB8AC3E}">
@@ -3966,6 +4455,99 @@
               <a:t>Demo</a:t>
             </a:r>
           </a:p>
+          <a:p>
+            <a:r>
+              <a:rPr lang="de-DE" dirty="0"/>
+              <a:t>Fragen</a:t>
+            </a:r>
+          </a:p>
+        </p:txBody>
+      </p:sp>
+      <p:sp>
+        <p:nvSpPr>
+          <p:cNvPr id="4" name="Foliennummernplatzhalter 3">
+            <a:extLst>
+              <a:ext uri="{FF2B5EF4-FFF2-40B4-BE49-F238E27FC236}">
+                <a16:creationId xmlns:a16="http://schemas.microsoft.com/office/drawing/2014/main" id="{4B5D14B7-2576-408C-86DB-E89261595AA3}"/>
+              </a:ext>
+            </a:extLst>
+          </p:cNvPr>
+          <p:cNvSpPr>
+            <a:spLocks noGrp="1"/>
+          </p:cNvSpPr>
+          <p:nvPr>
+            <p:ph type="sldNum" sz="quarter" idx="12"/>
+          </p:nvPr>
+        </p:nvSpPr>
+        <p:spPr/>
+        <p:txBody>
+          <a:bodyPr/>
+          <a:lstStyle/>
+          <a:p>
+            <a:fld id="{58CAACEB-2C49-4DBE-A548-363F7515F892}" type="slidenum">
+              <a:rPr lang="de-DE" smtClean="0"/>
+              <a:t>2</a:t>
+            </a:fld>
+            <a:endParaRPr lang="de-DE"/>
+          </a:p>
+        </p:txBody>
+      </p:sp>
+      <p:sp>
+        <p:nvSpPr>
+          <p:cNvPr id="5" name="Datumsplatzhalter 4">
+            <a:extLst>
+              <a:ext uri="{FF2B5EF4-FFF2-40B4-BE49-F238E27FC236}">
+                <a16:creationId xmlns:a16="http://schemas.microsoft.com/office/drawing/2014/main" id="{D79A05AB-C4C4-4B89-AA74-B15C3DEEA19E}"/>
+              </a:ext>
+            </a:extLst>
+          </p:cNvPr>
+          <p:cNvSpPr>
+            <a:spLocks noGrp="1"/>
+          </p:cNvSpPr>
+          <p:nvPr>
+            <p:ph type="dt" sz="half" idx="10"/>
+          </p:nvPr>
+        </p:nvSpPr>
+        <p:spPr/>
+        <p:txBody>
+          <a:bodyPr/>
+          <a:lstStyle/>
+          <a:p>
+            <a:fld id="{F60B148F-350D-4C1B-B564-91836FBED1A8}" type="datetime1">
+              <a:rPr lang="de-DE" smtClean="0"/>
+              <a:t>26.09.2018</a:t>
+            </a:fld>
+            <a:endParaRPr lang="de-DE"/>
+          </a:p>
+        </p:txBody>
+      </p:sp>
+      <p:sp>
+        <p:nvSpPr>
+          <p:cNvPr id="6" name="Fußzeilenplatzhalter 5">
+            <a:extLst>
+              <a:ext uri="{FF2B5EF4-FFF2-40B4-BE49-F238E27FC236}">
+                <a16:creationId xmlns:a16="http://schemas.microsoft.com/office/drawing/2014/main" id="{2D19E01B-D05A-4067-A9FD-7594C71FB345}"/>
+              </a:ext>
+            </a:extLst>
+          </p:cNvPr>
+          <p:cNvSpPr>
+            <a:spLocks noGrp="1"/>
+          </p:cNvSpPr>
+          <p:nvPr>
+            <p:ph type="ftr" sz="quarter" idx="11"/>
+          </p:nvPr>
+        </p:nvSpPr>
+        <p:spPr/>
+        <p:txBody>
+          <a:bodyPr/>
+          <a:lstStyle/>
+          <a:p>
+            <a:r>
+              <a:rPr lang="en-US"/>
+              <a:t>Developing Multilingual Applications in WPF - Johannes Kolata</a:t>
+            </a:r>
+            <a:endParaRPr lang="de-DE"/>
+          </a:p>
         </p:txBody>
       </p:sp>
     </p:spTree>
@@ -3978,6 +4560,284 @@
   <p:clrMapOvr>
     <a:masterClrMapping/>
   </p:clrMapOvr>
+  <p:timing>
+    <p:tnLst>
+      <p:par>
+        <p:cTn id="1" dur="indefinite" restart="never" nodeType="tmRoot">
+          <p:childTnLst>
+            <p:seq concurrent="1" nextAc="seek">
+              <p:cTn id="2" dur="indefinite" nodeType="mainSeq">
+                <p:childTnLst>
+                  <p:par>
+                    <p:cTn id="3" fill="hold">
+                      <p:stCondLst>
+                        <p:cond delay="indefinite"/>
+                      </p:stCondLst>
+                      <p:childTnLst>
+                        <p:par>
+                          <p:cTn id="4" fill="hold">
+                            <p:stCondLst>
+                              <p:cond delay="0"/>
+                            </p:stCondLst>
+                            <p:childTnLst>
+                              <p:par>
+                                <p:cTn id="5" presetID="1" presetClass="entr" presetSubtype="0" fill="hold" grpId="0" nodeType="clickEffect">
+                                  <p:stCondLst>
+                                    <p:cond delay="0"/>
+                                  </p:stCondLst>
+                                  <p:childTnLst>
+                                    <p:set>
+                                      <p:cBhvr>
+                                        <p:cTn id="6" dur="1" fill="hold">
+                                          <p:stCondLst>
+                                            <p:cond delay="0"/>
+                                          </p:stCondLst>
+                                        </p:cTn>
+                                        <p:tgtEl>
+                                          <p:spTgt spid="3">
+                                            <p:txEl>
+                                              <p:pRg st="0" end="0"/>
+                                            </p:txEl>
+                                          </p:spTgt>
+                                        </p:tgtEl>
+                                        <p:attrNameLst>
+                                          <p:attrName>style.visibility</p:attrName>
+                                        </p:attrNameLst>
+                                      </p:cBhvr>
+                                      <p:to>
+                                        <p:strVal val="visible"/>
+                                      </p:to>
+                                    </p:set>
+                                  </p:childTnLst>
+                                </p:cTn>
+                              </p:par>
+                            </p:childTnLst>
+                          </p:cTn>
+                        </p:par>
+                      </p:childTnLst>
+                    </p:cTn>
+                  </p:par>
+                  <p:par>
+                    <p:cTn id="7" fill="hold">
+                      <p:stCondLst>
+                        <p:cond delay="indefinite"/>
+                      </p:stCondLst>
+                      <p:childTnLst>
+                        <p:par>
+                          <p:cTn id="8" fill="hold">
+                            <p:stCondLst>
+                              <p:cond delay="0"/>
+                            </p:stCondLst>
+                            <p:childTnLst>
+                              <p:par>
+                                <p:cTn id="9" presetID="1" presetClass="entr" presetSubtype="0" fill="hold" grpId="0" nodeType="clickEffect">
+                                  <p:stCondLst>
+                                    <p:cond delay="0"/>
+                                  </p:stCondLst>
+                                  <p:childTnLst>
+                                    <p:set>
+                                      <p:cBhvr>
+                                        <p:cTn id="10" dur="1" fill="hold">
+                                          <p:stCondLst>
+                                            <p:cond delay="0"/>
+                                          </p:stCondLst>
+                                        </p:cTn>
+                                        <p:tgtEl>
+                                          <p:spTgt spid="3">
+                                            <p:txEl>
+                                              <p:pRg st="1" end="1"/>
+                                            </p:txEl>
+                                          </p:spTgt>
+                                        </p:tgtEl>
+                                        <p:attrNameLst>
+                                          <p:attrName>style.visibility</p:attrName>
+                                        </p:attrNameLst>
+                                      </p:cBhvr>
+                                      <p:to>
+                                        <p:strVal val="visible"/>
+                                      </p:to>
+                                    </p:set>
+                                  </p:childTnLst>
+                                </p:cTn>
+                              </p:par>
+                            </p:childTnLst>
+                          </p:cTn>
+                        </p:par>
+                      </p:childTnLst>
+                    </p:cTn>
+                  </p:par>
+                  <p:par>
+                    <p:cTn id="11" fill="hold">
+                      <p:stCondLst>
+                        <p:cond delay="indefinite"/>
+                      </p:stCondLst>
+                      <p:childTnLst>
+                        <p:par>
+                          <p:cTn id="12" fill="hold">
+                            <p:stCondLst>
+                              <p:cond delay="0"/>
+                            </p:stCondLst>
+                            <p:childTnLst>
+                              <p:par>
+                                <p:cTn id="13" presetID="1" presetClass="entr" presetSubtype="0" fill="hold" grpId="0" nodeType="clickEffect">
+                                  <p:stCondLst>
+                                    <p:cond delay="0"/>
+                                  </p:stCondLst>
+                                  <p:childTnLst>
+                                    <p:set>
+                                      <p:cBhvr>
+                                        <p:cTn id="14" dur="1" fill="hold">
+                                          <p:stCondLst>
+                                            <p:cond delay="0"/>
+                                          </p:stCondLst>
+                                        </p:cTn>
+                                        <p:tgtEl>
+                                          <p:spTgt spid="3">
+                                            <p:txEl>
+                                              <p:pRg st="2" end="2"/>
+                                            </p:txEl>
+                                          </p:spTgt>
+                                        </p:tgtEl>
+                                        <p:attrNameLst>
+                                          <p:attrName>style.visibility</p:attrName>
+                                        </p:attrNameLst>
+                                      </p:cBhvr>
+                                      <p:to>
+                                        <p:strVal val="visible"/>
+                                      </p:to>
+                                    </p:set>
+                                  </p:childTnLst>
+                                </p:cTn>
+                              </p:par>
+                            </p:childTnLst>
+                          </p:cTn>
+                        </p:par>
+                      </p:childTnLst>
+                    </p:cTn>
+                  </p:par>
+                  <p:par>
+                    <p:cTn id="15" fill="hold">
+                      <p:stCondLst>
+                        <p:cond delay="indefinite"/>
+                      </p:stCondLst>
+                      <p:childTnLst>
+                        <p:par>
+                          <p:cTn id="16" fill="hold">
+                            <p:stCondLst>
+                              <p:cond delay="0"/>
+                            </p:stCondLst>
+                            <p:childTnLst>
+                              <p:par>
+                                <p:cTn id="17" presetID="1" presetClass="entr" presetSubtype="0" fill="hold" grpId="0" nodeType="clickEffect">
+                                  <p:stCondLst>
+                                    <p:cond delay="0"/>
+                                  </p:stCondLst>
+                                  <p:childTnLst>
+                                    <p:set>
+                                      <p:cBhvr>
+                                        <p:cTn id="18" dur="1" fill="hold">
+                                          <p:stCondLst>
+                                            <p:cond delay="0"/>
+                                          </p:stCondLst>
+                                        </p:cTn>
+                                        <p:tgtEl>
+                                          <p:spTgt spid="3">
+                                            <p:txEl>
+                                              <p:pRg st="3" end="3"/>
+                                            </p:txEl>
+                                          </p:spTgt>
+                                        </p:tgtEl>
+                                        <p:attrNameLst>
+                                          <p:attrName>style.visibility</p:attrName>
+                                        </p:attrNameLst>
+                                      </p:cBhvr>
+                                      <p:to>
+                                        <p:strVal val="visible"/>
+                                      </p:to>
+                                    </p:set>
+                                  </p:childTnLst>
+                                </p:cTn>
+                              </p:par>
+                            </p:childTnLst>
+                          </p:cTn>
+                        </p:par>
+                      </p:childTnLst>
+                    </p:cTn>
+                  </p:par>
+                  <p:par>
+                    <p:cTn id="19" fill="hold">
+                      <p:stCondLst>
+                        <p:cond delay="indefinite"/>
+                      </p:stCondLst>
+                      <p:childTnLst>
+                        <p:par>
+                          <p:cTn id="20" fill="hold">
+                            <p:stCondLst>
+                              <p:cond delay="0"/>
+                            </p:stCondLst>
+                            <p:childTnLst>
+                              <p:par>
+                                <p:cTn id="21" presetID="1" presetClass="entr" presetSubtype="0" fill="hold" grpId="0" nodeType="clickEffect">
+                                  <p:stCondLst>
+                                    <p:cond delay="0"/>
+                                  </p:stCondLst>
+                                  <p:childTnLst>
+                                    <p:set>
+                                      <p:cBhvr>
+                                        <p:cTn id="22" dur="1" fill="hold">
+                                          <p:stCondLst>
+                                            <p:cond delay="0"/>
+                                          </p:stCondLst>
+                                        </p:cTn>
+                                        <p:tgtEl>
+                                          <p:spTgt spid="3">
+                                            <p:txEl>
+                                              <p:pRg st="4" end="4"/>
+                                            </p:txEl>
+                                          </p:spTgt>
+                                        </p:tgtEl>
+                                        <p:attrNameLst>
+                                          <p:attrName>style.visibility</p:attrName>
+                                        </p:attrNameLst>
+                                      </p:cBhvr>
+                                      <p:to>
+                                        <p:strVal val="visible"/>
+                                      </p:to>
+                                    </p:set>
+                                  </p:childTnLst>
+                                </p:cTn>
+                              </p:par>
+                            </p:childTnLst>
+                          </p:cTn>
+                        </p:par>
+                      </p:childTnLst>
+                    </p:cTn>
+                  </p:par>
+                </p:childTnLst>
+              </p:cTn>
+              <p:prevCondLst>
+                <p:cond evt="onPrev" delay="0">
+                  <p:tgtEl>
+                    <p:sldTgt/>
+                  </p:tgtEl>
+                </p:cond>
+              </p:prevCondLst>
+              <p:nextCondLst>
+                <p:cond evt="onNext" delay="0">
+                  <p:tgtEl>
+                    <p:sldTgt/>
+                  </p:tgtEl>
+                </p:cond>
+              </p:nextCondLst>
+            </p:seq>
+          </p:childTnLst>
+        </p:cTn>
+      </p:par>
+    </p:tnLst>
+    <p:bldLst>
+      <p:bldP spid="3" grpId="0" build="p"/>
+    </p:bldLst>
+  </p:timing>
 </p:sld>
 </file>
 
@@ -4047,7 +4907,125 @@
           <a:bodyPr/>
           <a:lstStyle/>
           <a:p>
+            <a:r>
+              <a:rPr lang="de-DE" dirty="0"/>
+              <a:t>Mehr Menschen können die Applikation benutzen (Zielgruppe vergrößern)</a:t>
+            </a:r>
+          </a:p>
+          <a:p>
+            <a:r>
+              <a:rPr lang="de-DE" dirty="0"/>
+              <a:t>Anforderung von „oben“</a:t>
+            </a:r>
+          </a:p>
+          <a:p>
+            <a:r>
+              <a:rPr lang="de-DE" dirty="0"/>
+              <a:t>Besser erweiterbar</a:t>
+            </a:r>
+          </a:p>
+          <a:p>
+            <a:pPr lvl="1"/>
+            <a:r>
+              <a:rPr lang="de-DE" dirty="0"/>
+              <a:t>„Korrekturlesen“ ist einfacher und kann von Nichtentwicklern durchgeführt werden.</a:t>
+            </a:r>
+          </a:p>
+          <a:p>
             <a:endParaRPr lang="de-DE" dirty="0"/>
+          </a:p>
+          <a:p>
+            <a:r>
+              <a:rPr lang="de-DE" dirty="0"/>
+              <a:t>Entwickeln in englisch ist angenehmer, Zielgruppe spricht aber deutsch</a:t>
+            </a:r>
+          </a:p>
+        </p:txBody>
+      </p:sp>
+      <p:sp>
+        <p:nvSpPr>
+          <p:cNvPr id="4" name="Foliennummernplatzhalter 3">
+            <a:extLst>
+              <a:ext uri="{FF2B5EF4-FFF2-40B4-BE49-F238E27FC236}">
+                <a16:creationId xmlns:a16="http://schemas.microsoft.com/office/drawing/2014/main" id="{03A326CB-AFD5-49B5-9934-378E419792C0}"/>
+              </a:ext>
+            </a:extLst>
+          </p:cNvPr>
+          <p:cNvSpPr>
+            <a:spLocks noGrp="1"/>
+          </p:cNvSpPr>
+          <p:nvPr>
+            <p:ph type="sldNum" sz="quarter" idx="12"/>
+          </p:nvPr>
+        </p:nvSpPr>
+        <p:spPr/>
+        <p:txBody>
+          <a:bodyPr/>
+          <a:lstStyle/>
+          <a:p>
+            <a:fld id="{58CAACEB-2C49-4DBE-A548-363F7515F892}" type="slidenum">
+              <a:rPr lang="de-DE" smtClean="0"/>
+              <a:t>3</a:t>
+            </a:fld>
+            <a:endParaRPr lang="de-DE"/>
+          </a:p>
+        </p:txBody>
+      </p:sp>
+      <p:sp>
+        <p:nvSpPr>
+          <p:cNvPr id="5" name="Datumsplatzhalter 4">
+            <a:extLst>
+              <a:ext uri="{FF2B5EF4-FFF2-40B4-BE49-F238E27FC236}">
+                <a16:creationId xmlns:a16="http://schemas.microsoft.com/office/drawing/2014/main" id="{E87DCA0E-DC85-475F-887E-1EB9938EFDC6}"/>
+              </a:ext>
+            </a:extLst>
+          </p:cNvPr>
+          <p:cNvSpPr>
+            <a:spLocks noGrp="1"/>
+          </p:cNvSpPr>
+          <p:nvPr>
+            <p:ph type="dt" sz="half" idx="10"/>
+          </p:nvPr>
+        </p:nvSpPr>
+        <p:spPr/>
+        <p:txBody>
+          <a:bodyPr/>
+          <a:lstStyle/>
+          <a:p>
+            <a:fld id="{D2ACC2C3-04CA-4FC9-ABCD-EEBA5832FF71}" type="datetime1">
+              <a:rPr lang="de-DE" smtClean="0"/>
+              <a:t>26.09.2018</a:t>
+            </a:fld>
+            <a:endParaRPr lang="de-DE"/>
+          </a:p>
+        </p:txBody>
+      </p:sp>
+      <p:sp>
+        <p:nvSpPr>
+          <p:cNvPr id="6" name="Fußzeilenplatzhalter 5">
+            <a:extLst>
+              <a:ext uri="{FF2B5EF4-FFF2-40B4-BE49-F238E27FC236}">
+                <a16:creationId xmlns:a16="http://schemas.microsoft.com/office/drawing/2014/main" id="{1A5FC88D-839F-4924-B13B-68A5131F9D3A}"/>
+              </a:ext>
+            </a:extLst>
+          </p:cNvPr>
+          <p:cNvSpPr>
+            <a:spLocks noGrp="1"/>
+          </p:cNvSpPr>
+          <p:nvPr>
+            <p:ph type="ftr" sz="quarter" idx="11"/>
+          </p:nvPr>
+        </p:nvSpPr>
+        <p:spPr/>
+        <p:txBody>
+          <a:bodyPr/>
+          <a:lstStyle/>
+          <a:p>
+            <a:r>
+              <a:rPr lang="en-US"/>
+              <a:t>Developing Multilingual Applications in WPF - Johannes Kolata</a:t>
+            </a:r>
+            <a:endParaRPr lang="de-DE"/>
           </a:p>
         </p:txBody>
       </p:sp>
@@ -4061,6 +5039,284 @@
   <p:clrMapOvr>
     <a:masterClrMapping/>
   </p:clrMapOvr>
+  <p:timing>
+    <p:tnLst>
+      <p:par>
+        <p:cTn id="1" dur="indefinite" restart="never" nodeType="tmRoot">
+          <p:childTnLst>
+            <p:seq concurrent="1" nextAc="seek">
+              <p:cTn id="2" dur="indefinite" nodeType="mainSeq">
+                <p:childTnLst>
+                  <p:par>
+                    <p:cTn id="3" fill="hold">
+                      <p:stCondLst>
+                        <p:cond delay="indefinite"/>
+                      </p:stCondLst>
+                      <p:childTnLst>
+                        <p:par>
+                          <p:cTn id="4" fill="hold">
+                            <p:stCondLst>
+                              <p:cond delay="0"/>
+                            </p:stCondLst>
+                            <p:childTnLst>
+                              <p:par>
+                                <p:cTn id="5" presetID="1" presetClass="entr" presetSubtype="0" fill="hold" grpId="0" nodeType="clickEffect">
+                                  <p:stCondLst>
+                                    <p:cond delay="0"/>
+                                  </p:stCondLst>
+                                  <p:childTnLst>
+                                    <p:set>
+                                      <p:cBhvr>
+                                        <p:cTn id="6" dur="1" fill="hold">
+                                          <p:stCondLst>
+                                            <p:cond delay="0"/>
+                                          </p:stCondLst>
+                                        </p:cTn>
+                                        <p:tgtEl>
+                                          <p:spTgt spid="3">
+                                            <p:txEl>
+                                              <p:pRg st="0" end="0"/>
+                                            </p:txEl>
+                                          </p:spTgt>
+                                        </p:tgtEl>
+                                        <p:attrNameLst>
+                                          <p:attrName>style.visibility</p:attrName>
+                                        </p:attrNameLst>
+                                      </p:cBhvr>
+                                      <p:to>
+                                        <p:strVal val="visible"/>
+                                      </p:to>
+                                    </p:set>
+                                  </p:childTnLst>
+                                </p:cTn>
+                              </p:par>
+                            </p:childTnLst>
+                          </p:cTn>
+                        </p:par>
+                      </p:childTnLst>
+                    </p:cTn>
+                  </p:par>
+                  <p:par>
+                    <p:cTn id="7" fill="hold">
+                      <p:stCondLst>
+                        <p:cond delay="indefinite"/>
+                      </p:stCondLst>
+                      <p:childTnLst>
+                        <p:par>
+                          <p:cTn id="8" fill="hold">
+                            <p:stCondLst>
+                              <p:cond delay="0"/>
+                            </p:stCondLst>
+                            <p:childTnLst>
+                              <p:par>
+                                <p:cTn id="9" presetID="1" presetClass="entr" presetSubtype="0" fill="hold" grpId="0" nodeType="clickEffect">
+                                  <p:stCondLst>
+                                    <p:cond delay="0"/>
+                                  </p:stCondLst>
+                                  <p:childTnLst>
+                                    <p:set>
+                                      <p:cBhvr>
+                                        <p:cTn id="10" dur="1" fill="hold">
+                                          <p:stCondLst>
+                                            <p:cond delay="0"/>
+                                          </p:stCondLst>
+                                        </p:cTn>
+                                        <p:tgtEl>
+                                          <p:spTgt spid="3">
+                                            <p:txEl>
+                                              <p:pRg st="1" end="1"/>
+                                            </p:txEl>
+                                          </p:spTgt>
+                                        </p:tgtEl>
+                                        <p:attrNameLst>
+                                          <p:attrName>style.visibility</p:attrName>
+                                        </p:attrNameLst>
+                                      </p:cBhvr>
+                                      <p:to>
+                                        <p:strVal val="visible"/>
+                                      </p:to>
+                                    </p:set>
+                                  </p:childTnLst>
+                                </p:cTn>
+                              </p:par>
+                            </p:childTnLst>
+                          </p:cTn>
+                        </p:par>
+                      </p:childTnLst>
+                    </p:cTn>
+                  </p:par>
+                  <p:par>
+                    <p:cTn id="11" fill="hold">
+                      <p:stCondLst>
+                        <p:cond delay="indefinite"/>
+                      </p:stCondLst>
+                      <p:childTnLst>
+                        <p:par>
+                          <p:cTn id="12" fill="hold">
+                            <p:stCondLst>
+                              <p:cond delay="0"/>
+                            </p:stCondLst>
+                            <p:childTnLst>
+                              <p:par>
+                                <p:cTn id="13" presetID="1" presetClass="entr" presetSubtype="0" fill="hold" grpId="0" nodeType="clickEffect">
+                                  <p:stCondLst>
+                                    <p:cond delay="0"/>
+                                  </p:stCondLst>
+                                  <p:childTnLst>
+                                    <p:set>
+                                      <p:cBhvr>
+                                        <p:cTn id="14" dur="1" fill="hold">
+                                          <p:stCondLst>
+                                            <p:cond delay="0"/>
+                                          </p:stCondLst>
+                                        </p:cTn>
+                                        <p:tgtEl>
+                                          <p:spTgt spid="3">
+                                            <p:txEl>
+                                              <p:pRg st="2" end="2"/>
+                                            </p:txEl>
+                                          </p:spTgt>
+                                        </p:tgtEl>
+                                        <p:attrNameLst>
+                                          <p:attrName>style.visibility</p:attrName>
+                                        </p:attrNameLst>
+                                      </p:cBhvr>
+                                      <p:to>
+                                        <p:strVal val="visible"/>
+                                      </p:to>
+                                    </p:set>
+                                  </p:childTnLst>
+                                </p:cTn>
+                              </p:par>
+                            </p:childTnLst>
+                          </p:cTn>
+                        </p:par>
+                      </p:childTnLst>
+                    </p:cTn>
+                  </p:par>
+                  <p:par>
+                    <p:cTn id="15" fill="hold">
+                      <p:stCondLst>
+                        <p:cond delay="indefinite"/>
+                      </p:stCondLst>
+                      <p:childTnLst>
+                        <p:par>
+                          <p:cTn id="16" fill="hold">
+                            <p:stCondLst>
+                              <p:cond delay="0"/>
+                            </p:stCondLst>
+                            <p:childTnLst>
+                              <p:par>
+                                <p:cTn id="17" presetID="1" presetClass="entr" presetSubtype="0" fill="hold" grpId="0" nodeType="clickEffect">
+                                  <p:stCondLst>
+                                    <p:cond delay="0"/>
+                                  </p:stCondLst>
+                                  <p:childTnLst>
+                                    <p:set>
+                                      <p:cBhvr>
+                                        <p:cTn id="18" dur="1" fill="hold">
+                                          <p:stCondLst>
+                                            <p:cond delay="0"/>
+                                          </p:stCondLst>
+                                        </p:cTn>
+                                        <p:tgtEl>
+                                          <p:spTgt spid="3">
+                                            <p:txEl>
+                                              <p:pRg st="3" end="3"/>
+                                            </p:txEl>
+                                          </p:spTgt>
+                                        </p:tgtEl>
+                                        <p:attrNameLst>
+                                          <p:attrName>style.visibility</p:attrName>
+                                        </p:attrNameLst>
+                                      </p:cBhvr>
+                                      <p:to>
+                                        <p:strVal val="visible"/>
+                                      </p:to>
+                                    </p:set>
+                                  </p:childTnLst>
+                                </p:cTn>
+                              </p:par>
+                            </p:childTnLst>
+                          </p:cTn>
+                        </p:par>
+                      </p:childTnLst>
+                    </p:cTn>
+                  </p:par>
+                  <p:par>
+                    <p:cTn id="19" fill="hold">
+                      <p:stCondLst>
+                        <p:cond delay="indefinite"/>
+                      </p:stCondLst>
+                      <p:childTnLst>
+                        <p:par>
+                          <p:cTn id="20" fill="hold">
+                            <p:stCondLst>
+                              <p:cond delay="0"/>
+                            </p:stCondLst>
+                            <p:childTnLst>
+                              <p:par>
+                                <p:cTn id="21" presetID="1" presetClass="entr" presetSubtype="0" fill="hold" grpId="0" nodeType="clickEffect">
+                                  <p:stCondLst>
+                                    <p:cond delay="0"/>
+                                  </p:stCondLst>
+                                  <p:childTnLst>
+                                    <p:set>
+                                      <p:cBhvr>
+                                        <p:cTn id="22" dur="1" fill="hold">
+                                          <p:stCondLst>
+                                            <p:cond delay="0"/>
+                                          </p:stCondLst>
+                                        </p:cTn>
+                                        <p:tgtEl>
+                                          <p:spTgt spid="3">
+                                            <p:txEl>
+                                              <p:pRg st="5" end="5"/>
+                                            </p:txEl>
+                                          </p:spTgt>
+                                        </p:tgtEl>
+                                        <p:attrNameLst>
+                                          <p:attrName>style.visibility</p:attrName>
+                                        </p:attrNameLst>
+                                      </p:cBhvr>
+                                      <p:to>
+                                        <p:strVal val="visible"/>
+                                      </p:to>
+                                    </p:set>
+                                  </p:childTnLst>
+                                </p:cTn>
+                              </p:par>
+                            </p:childTnLst>
+                          </p:cTn>
+                        </p:par>
+                      </p:childTnLst>
+                    </p:cTn>
+                  </p:par>
+                </p:childTnLst>
+              </p:cTn>
+              <p:prevCondLst>
+                <p:cond evt="onPrev" delay="0">
+                  <p:tgtEl>
+                    <p:sldTgt/>
+                  </p:tgtEl>
+                </p:cond>
+              </p:prevCondLst>
+              <p:nextCondLst>
+                <p:cond evt="onNext" delay="0">
+                  <p:tgtEl>
+                    <p:sldTgt/>
+                  </p:tgtEl>
+                </p:cond>
+              </p:nextCondLst>
+            </p:seq>
+          </p:childTnLst>
+        </p:cTn>
+      </p:par>
+    </p:tnLst>
+    <p:bldLst>
+      <p:bldP spid="3" grpId="0" uiExpand="1" build="p"/>
+    </p:bldLst>
+  </p:timing>
 </p:sld>
 </file>
 
@@ -4104,13 +5360,8 @@
           <a:p>
             <a:r>
               <a:rPr lang="de-DE" dirty="0"/>
-              <a:t>Was gibt es für </a:t>
-            </a:r>
-            <a:r>
-              <a:rPr lang="de-DE" dirty="0" err="1"/>
-              <a:t>möglichkeiten</a:t>
-            </a:r>
-            <a:endParaRPr lang="de-DE" dirty="0"/>
+              <a:t>Was gibt es für Möglichkeiten</a:t>
+            </a:r>
           </a:p>
         </p:txBody>
       </p:sp>
@@ -4167,7 +5418,7 @@
           <a:p>
             <a:r>
               <a:rPr lang="de-DE" dirty="0"/>
-              <a:t>Positiv:</a:t>
+              <a:t>Vorteile:</a:t>
             </a:r>
           </a:p>
           <a:p>
@@ -4181,13 +5432,8 @@
             </a:r>
             <a:r>
               <a:rPr lang="de-DE" dirty="0"/>
-              <a:t> </a:t>
-            </a:r>
-            <a:r>
-              <a:rPr lang="de-DE"/>
-              <a:t>und code)</a:t>
-            </a:r>
-            <a:endParaRPr lang="de-DE" dirty="0"/>
+              <a:t> und code)</a:t>
+            </a:r>
           </a:p>
           <a:p>
             <a:r>
@@ -4201,7 +5447,7 @@
           <a:p>
             <a:r>
               <a:rPr lang="de-DE" dirty="0"/>
-              <a:t>Negativ:</a:t>
+              <a:t>Nachteile:</a:t>
             </a:r>
           </a:p>
           <a:p>
@@ -4274,7 +5520,118 @@
           </a:bodyPr>
           <a:lstStyle/>
           <a:p>
+            <a:r>
+              <a:rPr lang="de-DE" dirty="0"/>
+              <a:t>Vorteile:</a:t>
+            </a:r>
+          </a:p>
+          <a:p>
+            <a:r>
+              <a:rPr lang="de-DE" dirty="0"/>
+              <a:t>+</a:t>
+            </a:r>
+          </a:p>
+          <a:p>
             <a:endParaRPr lang="de-DE" dirty="0"/>
+          </a:p>
+          <a:p>
+            <a:r>
+              <a:rPr lang="de-DE" dirty="0"/>
+              <a:t>Nachteile:</a:t>
+            </a:r>
+          </a:p>
+          <a:p>
+            <a:r>
+              <a:rPr lang="de-DE" dirty="0"/>
+              <a:t>-</a:t>
+            </a:r>
+          </a:p>
+        </p:txBody>
+      </p:sp>
+      <p:sp>
+        <p:nvSpPr>
+          <p:cNvPr id="8" name="Foliennummernplatzhalter 7">
+            <a:extLst>
+              <a:ext uri="{FF2B5EF4-FFF2-40B4-BE49-F238E27FC236}">
+                <a16:creationId xmlns:a16="http://schemas.microsoft.com/office/drawing/2014/main" id="{A978B241-DE9F-4D03-BDA0-8818D7C43465}"/>
+              </a:ext>
+            </a:extLst>
+          </p:cNvPr>
+          <p:cNvSpPr>
+            <a:spLocks noGrp="1"/>
+          </p:cNvSpPr>
+          <p:nvPr>
+            <p:ph type="sldNum" sz="quarter" idx="12"/>
+          </p:nvPr>
+        </p:nvSpPr>
+        <p:spPr/>
+        <p:txBody>
+          <a:bodyPr/>
+          <a:lstStyle/>
+          <a:p>
+            <a:fld id="{58CAACEB-2C49-4DBE-A548-363F7515F892}" type="slidenum">
+              <a:rPr lang="de-DE" smtClean="0"/>
+              <a:t>4</a:t>
+            </a:fld>
+            <a:endParaRPr lang="de-DE"/>
+          </a:p>
+        </p:txBody>
+      </p:sp>
+      <p:sp>
+        <p:nvSpPr>
+          <p:cNvPr id="9" name="Datumsplatzhalter 8">
+            <a:extLst>
+              <a:ext uri="{FF2B5EF4-FFF2-40B4-BE49-F238E27FC236}">
+                <a16:creationId xmlns:a16="http://schemas.microsoft.com/office/drawing/2014/main" id="{4428AAC1-4C5B-4456-B46F-54A9AD5DB007}"/>
+              </a:ext>
+            </a:extLst>
+          </p:cNvPr>
+          <p:cNvSpPr>
+            <a:spLocks noGrp="1"/>
+          </p:cNvSpPr>
+          <p:nvPr>
+            <p:ph type="dt" sz="half" idx="10"/>
+          </p:nvPr>
+        </p:nvSpPr>
+        <p:spPr/>
+        <p:txBody>
+          <a:bodyPr/>
+          <a:lstStyle/>
+          <a:p>
+            <a:fld id="{64858D28-89FD-4011-B17C-C8F5B8DBC9A5}" type="datetime1">
+              <a:rPr lang="de-DE" smtClean="0"/>
+              <a:t>26.09.2018</a:t>
+            </a:fld>
+            <a:endParaRPr lang="de-DE"/>
+          </a:p>
+        </p:txBody>
+      </p:sp>
+      <p:sp>
+        <p:nvSpPr>
+          <p:cNvPr id="10" name="Fußzeilenplatzhalter 9">
+            <a:extLst>
+              <a:ext uri="{FF2B5EF4-FFF2-40B4-BE49-F238E27FC236}">
+                <a16:creationId xmlns:a16="http://schemas.microsoft.com/office/drawing/2014/main" id="{129820BB-496E-4046-9F28-A7FBE8E1AE66}"/>
+              </a:ext>
+            </a:extLst>
+          </p:cNvPr>
+          <p:cNvSpPr>
+            <a:spLocks noGrp="1"/>
+          </p:cNvSpPr>
+          <p:nvPr>
+            <p:ph type="ftr" sz="quarter" idx="11"/>
+          </p:nvPr>
+        </p:nvSpPr>
+        <p:spPr/>
+        <p:txBody>
+          <a:bodyPr/>
+          <a:lstStyle/>
+          <a:p>
+            <a:r>
+              <a:rPr lang="en-US"/>
+              <a:t>Developing Multilingual Applications in WPF - Johannes Kolata</a:t>
+            </a:r>
+            <a:endParaRPr lang="de-DE"/>
           </a:p>
         </p:txBody>
       </p:sp>
@@ -4288,6 +5645,630 @@
   <p:clrMapOvr>
     <a:masterClrMapping/>
   </p:clrMapOvr>
+  <p:timing>
+    <p:tnLst>
+      <p:par>
+        <p:cTn id="1" dur="indefinite" restart="never" nodeType="tmRoot">
+          <p:childTnLst>
+            <p:seq concurrent="1" nextAc="seek">
+              <p:cTn id="2" dur="indefinite" nodeType="mainSeq">
+                <p:childTnLst>
+                  <p:par>
+                    <p:cTn id="3" fill="hold">
+                      <p:stCondLst>
+                        <p:cond delay="indefinite"/>
+                      </p:stCondLst>
+                      <p:childTnLst>
+                        <p:par>
+                          <p:cTn id="4" fill="hold">
+                            <p:stCondLst>
+                              <p:cond delay="0"/>
+                            </p:stCondLst>
+                            <p:childTnLst>
+                              <p:par>
+                                <p:cTn id="5" presetID="1" presetClass="entr" presetSubtype="0" fill="hold" grpId="0" nodeType="clickEffect">
+                                  <p:stCondLst>
+                                    <p:cond delay="0"/>
+                                  </p:stCondLst>
+                                  <p:childTnLst>
+                                    <p:set>
+                                      <p:cBhvr>
+                                        <p:cTn id="6" dur="1" fill="hold">
+                                          <p:stCondLst>
+                                            <p:cond delay="0"/>
+                                          </p:stCondLst>
+                                        </p:cTn>
+                                        <p:tgtEl>
+                                          <p:spTgt spid="4">
+                                            <p:txEl>
+                                              <p:pRg st="0" end="0"/>
+                                            </p:txEl>
+                                          </p:spTgt>
+                                        </p:tgtEl>
+                                        <p:attrNameLst>
+                                          <p:attrName>style.visibility</p:attrName>
+                                        </p:attrNameLst>
+                                      </p:cBhvr>
+                                      <p:to>
+                                        <p:strVal val="visible"/>
+                                      </p:to>
+                                    </p:set>
+                                  </p:childTnLst>
+                                </p:cTn>
+                              </p:par>
+                            </p:childTnLst>
+                          </p:cTn>
+                        </p:par>
+                      </p:childTnLst>
+                    </p:cTn>
+                  </p:par>
+                  <p:par>
+                    <p:cTn id="7" fill="hold">
+                      <p:stCondLst>
+                        <p:cond delay="indefinite"/>
+                      </p:stCondLst>
+                      <p:childTnLst>
+                        <p:par>
+                          <p:cTn id="8" fill="hold">
+                            <p:stCondLst>
+                              <p:cond delay="0"/>
+                            </p:stCondLst>
+                            <p:childTnLst>
+                              <p:par>
+                                <p:cTn id="9" presetID="1" presetClass="entr" presetSubtype="0" fill="hold" grpId="0" nodeType="clickEffect">
+                                  <p:stCondLst>
+                                    <p:cond delay="0"/>
+                                  </p:stCondLst>
+                                  <p:childTnLst>
+                                    <p:set>
+                                      <p:cBhvr>
+                                        <p:cTn id="10" dur="1" fill="hold">
+                                          <p:stCondLst>
+                                            <p:cond delay="0"/>
+                                          </p:stCondLst>
+                                        </p:cTn>
+                                        <p:tgtEl>
+                                          <p:spTgt spid="5">
+                                            <p:txEl>
+                                              <p:pRg st="0" end="0"/>
+                                            </p:txEl>
+                                          </p:spTgt>
+                                        </p:tgtEl>
+                                        <p:attrNameLst>
+                                          <p:attrName>style.visibility</p:attrName>
+                                        </p:attrNameLst>
+                                      </p:cBhvr>
+                                      <p:to>
+                                        <p:strVal val="visible"/>
+                                      </p:to>
+                                    </p:set>
+                                  </p:childTnLst>
+                                </p:cTn>
+                              </p:par>
+                            </p:childTnLst>
+                          </p:cTn>
+                        </p:par>
+                      </p:childTnLst>
+                    </p:cTn>
+                  </p:par>
+                  <p:par>
+                    <p:cTn id="11" fill="hold">
+                      <p:stCondLst>
+                        <p:cond delay="indefinite"/>
+                      </p:stCondLst>
+                      <p:childTnLst>
+                        <p:par>
+                          <p:cTn id="12" fill="hold">
+                            <p:stCondLst>
+                              <p:cond delay="0"/>
+                            </p:stCondLst>
+                            <p:childTnLst>
+                              <p:par>
+                                <p:cTn id="13" presetID="1" presetClass="entr" presetSubtype="0" fill="hold" grpId="0" nodeType="clickEffect">
+                                  <p:stCondLst>
+                                    <p:cond delay="0"/>
+                                  </p:stCondLst>
+                                  <p:childTnLst>
+                                    <p:set>
+                                      <p:cBhvr>
+                                        <p:cTn id="14" dur="1" fill="hold">
+                                          <p:stCondLst>
+                                            <p:cond delay="0"/>
+                                          </p:stCondLst>
+                                        </p:cTn>
+                                        <p:tgtEl>
+                                          <p:spTgt spid="5">
+                                            <p:txEl>
+                                              <p:pRg st="1" end="1"/>
+                                            </p:txEl>
+                                          </p:spTgt>
+                                        </p:tgtEl>
+                                        <p:attrNameLst>
+                                          <p:attrName>style.visibility</p:attrName>
+                                        </p:attrNameLst>
+                                      </p:cBhvr>
+                                      <p:to>
+                                        <p:strVal val="visible"/>
+                                      </p:to>
+                                    </p:set>
+                                  </p:childTnLst>
+                                </p:cTn>
+                              </p:par>
+                            </p:childTnLst>
+                          </p:cTn>
+                        </p:par>
+                      </p:childTnLst>
+                    </p:cTn>
+                  </p:par>
+                  <p:par>
+                    <p:cTn id="15" fill="hold">
+                      <p:stCondLst>
+                        <p:cond delay="indefinite"/>
+                      </p:stCondLst>
+                      <p:childTnLst>
+                        <p:par>
+                          <p:cTn id="16" fill="hold">
+                            <p:stCondLst>
+                              <p:cond delay="0"/>
+                            </p:stCondLst>
+                            <p:childTnLst>
+                              <p:par>
+                                <p:cTn id="17" presetID="1" presetClass="entr" presetSubtype="0" fill="hold" grpId="0" nodeType="clickEffect">
+                                  <p:stCondLst>
+                                    <p:cond delay="0"/>
+                                  </p:stCondLst>
+                                  <p:childTnLst>
+                                    <p:set>
+                                      <p:cBhvr>
+                                        <p:cTn id="18" dur="1" fill="hold">
+                                          <p:stCondLst>
+                                            <p:cond delay="0"/>
+                                          </p:stCondLst>
+                                        </p:cTn>
+                                        <p:tgtEl>
+                                          <p:spTgt spid="5">
+                                            <p:txEl>
+                                              <p:pRg st="2" end="2"/>
+                                            </p:txEl>
+                                          </p:spTgt>
+                                        </p:tgtEl>
+                                        <p:attrNameLst>
+                                          <p:attrName>style.visibility</p:attrName>
+                                        </p:attrNameLst>
+                                      </p:cBhvr>
+                                      <p:to>
+                                        <p:strVal val="visible"/>
+                                      </p:to>
+                                    </p:set>
+                                  </p:childTnLst>
+                                </p:cTn>
+                              </p:par>
+                            </p:childTnLst>
+                          </p:cTn>
+                        </p:par>
+                      </p:childTnLst>
+                    </p:cTn>
+                  </p:par>
+                  <p:par>
+                    <p:cTn id="19" fill="hold">
+                      <p:stCondLst>
+                        <p:cond delay="indefinite"/>
+                      </p:stCondLst>
+                      <p:childTnLst>
+                        <p:par>
+                          <p:cTn id="20" fill="hold">
+                            <p:stCondLst>
+                              <p:cond delay="0"/>
+                            </p:stCondLst>
+                            <p:childTnLst>
+                              <p:par>
+                                <p:cTn id="21" presetID="1" presetClass="entr" presetSubtype="0" fill="hold" grpId="0" nodeType="clickEffect">
+                                  <p:stCondLst>
+                                    <p:cond delay="0"/>
+                                  </p:stCondLst>
+                                  <p:childTnLst>
+                                    <p:set>
+                                      <p:cBhvr>
+                                        <p:cTn id="22" dur="1" fill="hold">
+                                          <p:stCondLst>
+                                            <p:cond delay="0"/>
+                                          </p:stCondLst>
+                                        </p:cTn>
+                                        <p:tgtEl>
+                                          <p:spTgt spid="5">
+                                            <p:txEl>
+                                              <p:pRg st="4" end="4"/>
+                                            </p:txEl>
+                                          </p:spTgt>
+                                        </p:tgtEl>
+                                        <p:attrNameLst>
+                                          <p:attrName>style.visibility</p:attrName>
+                                        </p:attrNameLst>
+                                      </p:cBhvr>
+                                      <p:to>
+                                        <p:strVal val="visible"/>
+                                      </p:to>
+                                    </p:set>
+                                  </p:childTnLst>
+                                </p:cTn>
+                              </p:par>
+                            </p:childTnLst>
+                          </p:cTn>
+                        </p:par>
+                      </p:childTnLst>
+                    </p:cTn>
+                  </p:par>
+                  <p:par>
+                    <p:cTn id="23" fill="hold">
+                      <p:stCondLst>
+                        <p:cond delay="indefinite"/>
+                      </p:stCondLst>
+                      <p:childTnLst>
+                        <p:par>
+                          <p:cTn id="24" fill="hold">
+                            <p:stCondLst>
+                              <p:cond delay="0"/>
+                            </p:stCondLst>
+                            <p:childTnLst>
+                              <p:par>
+                                <p:cTn id="25" presetID="1" presetClass="entr" presetSubtype="0" fill="hold" grpId="0" nodeType="clickEffect">
+                                  <p:stCondLst>
+                                    <p:cond delay="0"/>
+                                  </p:stCondLst>
+                                  <p:childTnLst>
+                                    <p:set>
+                                      <p:cBhvr>
+                                        <p:cTn id="26" dur="1" fill="hold">
+                                          <p:stCondLst>
+                                            <p:cond delay="0"/>
+                                          </p:stCondLst>
+                                        </p:cTn>
+                                        <p:tgtEl>
+                                          <p:spTgt spid="5">
+                                            <p:txEl>
+                                              <p:pRg st="5" end="5"/>
+                                            </p:txEl>
+                                          </p:spTgt>
+                                        </p:tgtEl>
+                                        <p:attrNameLst>
+                                          <p:attrName>style.visibility</p:attrName>
+                                        </p:attrNameLst>
+                                      </p:cBhvr>
+                                      <p:to>
+                                        <p:strVal val="visible"/>
+                                      </p:to>
+                                    </p:set>
+                                  </p:childTnLst>
+                                </p:cTn>
+                              </p:par>
+                            </p:childTnLst>
+                          </p:cTn>
+                        </p:par>
+                      </p:childTnLst>
+                    </p:cTn>
+                  </p:par>
+                  <p:par>
+                    <p:cTn id="27" fill="hold">
+                      <p:stCondLst>
+                        <p:cond delay="indefinite"/>
+                      </p:stCondLst>
+                      <p:childTnLst>
+                        <p:par>
+                          <p:cTn id="28" fill="hold">
+                            <p:stCondLst>
+                              <p:cond delay="0"/>
+                            </p:stCondLst>
+                            <p:childTnLst>
+                              <p:par>
+                                <p:cTn id="29" presetID="1" presetClass="entr" presetSubtype="0" fill="hold" grpId="0" nodeType="clickEffect">
+                                  <p:stCondLst>
+                                    <p:cond delay="0"/>
+                                  </p:stCondLst>
+                                  <p:childTnLst>
+                                    <p:set>
+                                      <p:cBhvr>
+                                        <p:cTn id="30" dur="1" fill="hold">
+                                          <p:stCondLst>
+                                            <p:cond delay="0"/>
+                                          </p:stCondLst>
+                                        </p:cTn>
+                                        <p:tgtEl>
+                                          <p:spTgt spid="5">
+                                            <p:txEl>
+                                              <p:pRg st="6" end="6"/>
+                                            </p:txEl>
+                                          </p:spTgt>
+                                        </p:tgtEl>
+                                        <p:attrNameLst>
+                                          <p:attrName>style.visibility</p:attrName>
+                                        </p:attrNameLst>
+                                      </p:cBhvr>
+                                      <p:to>
+                                        <p:strVal val="visible"/>
+                                      </p:to>
+                                    </p:set>
+                                  </p:childTnLst>
+                                </p:cTn>
+                              </p:par>
+                            </p:childTnLst>
+                          </p:cTn>
+                        </p:par>
+                      </p:childTnLst>
+                    </p:cTn>
+                  </p:par>
+                  <p:par>
+                    <p:cTn id="31" fill="hold">
+                      <p:stCondLst>
+                        <p:cond delay="indefinite"/>
+                      </p:stCondLst>
+                      <p:childTnLst>
+                        <p:par>
+                          <p:cTn id="32" fill="hold">
+                            <p:stCondLst>
+                              <p:cond delay="0"/>
+                            </p:stCondLst>
+                            <p:childTnLst>
+                              <p:par>
+                                <p:cTn id="33" presetID="1" presetClass="entr" presetSubtype="0" fill="hold" grpId="0" nodeType="clickEffect">
+                                  <p:stCondLst>
+                                    <p:cond delay="0"/>
+                                  </p:stCondLst>
+                                  <p:childTnLst>
+                                    <p:set>
+                                      <p:cBhvr>
+                                        <p:cTn id="34" dur="1" fill="hold">
+                                          <p:stCondLst>
+                                            <p:cond delay="0"/>
+                                          </p:stCondLst>
+                                        </p:cTn>
+                                        <p:tgtEl>
+                                          <p:spTgt spid="6">
+                                            <p:txEl>
+                                              <p:pRg st="0" end="0"/>
+                                            </p:txEl>
+                                          </p:spTgt>
+                                        </p:tgtEl>
+                                        <p:attrNameLst>
+                                          <p:attrName>style.visibility</p:attrName>
+                                        </p:attrNameLst>
+                                      </p:cBhvr>
+                                      <p:to>
+                                        <p:strVal val="visible"/>
+                                      </p:to>
+                                    </p:set>
+                                  </p:childTnLst>
+                                </p:cTn>
+                              </p:par>
+                            </p:childTnLst>
+                          </p:cTn>
+                        </p:par>
+                      </p:childTnLst>
+                    </p:cTn>
+                  </p:par>
+                  <p:par>
+                    <p:cTn id="35" fill="hold">
+                      <p:stCondLst>
+                        <p:cond delay="indefinite"/>
+                      </p:stCondLst>
+                      <p:childTnLst>
+                        <p:par>
+                          <p:cTn id="36" fill="hold">
+                            <p:stCondLst>
+                              <p:cond delay="0"/>
+                            </p:stCondLst>
+                            <p:childTnLst>
+                              <p:par>
+                                <p:cTn id="37" presetID="1" presetClass="entr" presetSubtype="0" fill="hold" grpId="0" nodeType="clickEffect">
+                                  <p:stCondLst>
+                                    <p:cond delay="0"/>
+                                  </p:stCondLst>
+                                  <p:childTnLst>
+                                    <p:set>
+                                      <p:cBhvr>
+                                        <p:cTn id="38" dur="1" fill="hold">
+                                          <p:stCondLst>
+                                            <p:cond delay="0"/>
+                                          </p:stCondLst>
+                                        </p:cTn>
+                                        <p:tgtEl>
+                                          <p:spTgt spid="7">
+                                            <p:txEl>
+                                              <p:pRg st="0" end="0"/>
+                                            </p:txEl>
+                                          </p:spTgt>
+                                        </p:tgtEl>
+                                        <p:attrNameLst>
+                                          <p:attrName>style.visibility</p:attrName>
+                                        </p:attrNameLst>
+                                      </p:cBhvr>
+                                      <p:to>
+                                        <p:strVal val="visible"/>
+                                      </p:to>
+                                    </p:set>
+                                  </p:childTnLst>
+                                </p:cTn>
+                              </p:par>
+                            </p:childTnLst>
+                          </p:cTn>
+                        </p:par>
+                      </p:childTnLst>
+                    </p:cTn>
+                  </p:par>
+                  <p:par>
+                    <p:cTn id="39" fill="hold">
+                      <p:stCondLst>
+                        <p:cond delay="indefinite"/>
+                      </p:stCondLst>
+                      <p:childTnLst>
+                        <p:par>
+                          <p:cTn id="40" fill="hold">
+                            <p:stCondLst>
+                              <p:cond delay="0"/>
+                            </p:stCondLst>
+                            <p:childTnLst>
+                              <p:par>
+                                <p:cTn id="41" presetID="1" presetClass="entr" presetSubtype="0" fill="hold" grpId="0" nodeType="clickEffect">
+                                  <p:stCondLst>
+                                    <p:cond delay="0"/>
+                                  </p:stCondLst>
+                                  <p:childTnLst>
+                                    <p:set>
+                                      <p:cBhvr>
+                                        <p:cTn id="42" dur="1" fill="hold">
+                                          <p:stCondLst>
+                                            <p:cond delay="0"/>
+                                          </p:stCondLst>
+                                        </p:cTn>
+                                        <p:tgtEl>
+                                          <p:spTgt spid="7">
+                                            <p:txEl>
+                                              <p:pRg st="1" end="1"/>
+                                            </p:txEl>
+                                          </p:spTgt>
+                                        </p:tgtEl>
+                                        <p:attrNameLst>
+                                          <p:attrName>style.visibility</p:attrName>
+                                        </p:attrNameLst>
+                                      </p:cBhvr>
+                                      <p:to>
+                                        <p:strVal val="visible"/>
+                                      </p:to>
+                                    </p:set>
+                                  </p:childTnLst>
+                                </p:cTn>
+                              </p:par>
+                            </p:childTnLst>
+                          </p:cTn>
+                        </p:par>
+                      </p:childTnLst>
+                    </p:cTn>
+                  </p:par>
+                  <p:par>
+                    <p:cTn id="43" fill="hold">
+                      <p:stCondLst>
+                        <p:cond delay="indefinite"/>
+                      </p:stCondLst>
+                      <p:childTnLst>
+                        <p:par>
+                          <p:cTn id="44" fill="hold">
+                            <p:stCondLst>
+                              <p:cond delay="0"/>
+                            </p:stCondLst>
+                            <p:childTnLst>
+                              <p:par>
+                                <p:cTn id="45" presetID="1" presetClass="entr" presetSubtype="0" fill="hold" grpId="0" nodeType="clickEffect">
+                                  <p:stCondLst>
+                                    <p:cond delay="0"/>
+                                  </p:stCondLst>
+                                  <p:childTnLst>
+                                    <p:set>
+                                      <p:cBhvr>
+                                        <p:cTn id="46" dur="1" fill="hold">
+                                          <p:stCondLst>
+                                            <p:cond delay="0"/>
+                                          </p:stCondLst>
+                                        </p:cTn>
+                                        <p:tgtEl>
+                                          <p:spTgt spid="7">
+                                            <p:txEl>
+                                              <p:pRg st="3" end="3"/>
+                                            </p:txEl>
+                                          </p:spTgt>
+                                        </p:tgtEl>
+                                        <p:attrNameLst>
+                                          <p:attrName>style.visibility</p:attrName>
+                                        </p:attrNameLst>
+                                      </p:cBhvr>
+                                      <p:to>
+                                        <p:strVal val="visible"/>
+                                      </p:to>
+                                    </p:set>
+                                  </p:childTnLst>
+                                </p:cTn>
+                              </p:par>
+                            </p:childTnLst>
+                          </p:cTn>
+                        </p:par>
+                      </p:childTnLst>
+                    </p:cTn>
+                  </p:par>
+                  <p:par>
+                    <p:cTn id="47" fill="hold">
+                      <p:stCondLst>
+                        <p:cond delay="indefinite"/>
+                      </p:stCondLst>
+                      <p:childTnLst>
+                        <p:par>
+                          <p:cTn id="48" fill="hold">
+                            <p:stCondLst>
+                              <p:cond delay="0"/>
+                            </p:stCondLst>
+                            <p:childTnLst>
+                              <p:par>
+                                <p:cTn id="49" presetID="1" presetClass="entr" presetSubtype="0" fill="hold" grpId="0" nodeType="clickEffect">
+                                  <p:stCondLst>
+                                    <p:cond delay="0"/>
+                                  </p:stCondLst>
+                                  <p:childTnLst>
+                                    <p:set>
+                                      <p:cBhvr>
+                                        <p:cTn id="50" dur="1" fill="hold">
+                                          <p:stCondLst>
+                                            <p:cond delay="0"/>
+                                          </p:stCondLst>
+                                        </p:cTn>
+                                        <p:tgtEl>
+                                          <p:spTgt spid="7">
+                                            <p:txEl>
+                                              <p:pRg st="4" end="4"/>
+                                            </p:txEl>
+                                          </p:spTgt>
+                                        </p:tgtEl>
+                                        <p:attrNameLst>
+                                          <p:attrName>style.visibility</p:attrName>
+                                        </p:attrNameLst>
+                                      </p:cBhvr>
+                                      <p:to>
+                                        <p:strVal val="visible"/>
+                                      </p:to>
+                                    </p:set>
+                                  </p:childTnLst>
+                                </p:cTn>
+                              </p:par>
+                            </p:childTnLst>
+                          </p:cTn>
+                        </p:par>
+                      </p:childTnLst>
+                    </p:cTn>
+                  </p:par>
+                </p:childTnLst>
+              </p:cTn>
+              <p:prevCondLst>
+                <p:cond evt="onPrev" delay="0">
+                  <p:tgtEl>
+                    <p:sldTgt/>
+                  </p:tgtEl>
+                </p:cond>
+              </p:prevCondLst>
+              <p:nextCondLst>
+                <p:cond evt="onNext" delay="0">
+                  <p:tgtEl>
+                    <p:sldTgt/>
+                  </p:tgtEl>
+                </p:cond>
+              </p:nextCondLst>
+            </p:seq>
+          </p:childTnLst>
+        </p:cTn>
+      </p:par>
+    </p:tnLst>
+    <p:bldLst>
+      <p:bldP spid="4" grpId="0" build="p"/>
+      <p:bldP spid="5" grpId="0" build="p"/>
+      <p:bldP spid="6" grpId="0" build="p"/>
+      <p:bldP spid="7" grpId="0" build="p"/>
+    </p:bldLst>
+  </p:timing>
 </p:sld>
 </file>
 
@@ -4416,6 +6397,19 @@
             </a:r>
           </a:p>
           <a:p>
+            <a:pPr marL="0" indent="0">
+              <a:buNone/>
+            </a:pPr>
+            <a:r>
+              <a:rPr lang="de-DE" dirty="0" err="1"/>
+              <a:t>Autocompletion</a:t>
+            </a:r>
+            <a:endParaRPr lang="de-DE" dirty="0"/>
+          </a:p>
+          <a:p>
+            <a:pPr marL="0" indent="0">
+              <a:buNone/>
+            </a:pPr>
             <a:endParaRPr lang="de-DE" dirty="0"/>
           </a:p>
         </p:txBody>
@@ -4473,6 +6467,99 @@
               <a:rPr lang="de-DE" dirty="0"/>
               <a:t>Lange listen von Strings von Hand pflegen</a:t>
             </a:r>
+          </a:p>
+          <a:p>
+            <a:r>
+              <a:rPr lang="de-DE" dirty="0"/>
+              <a:t>Oder Schreiben eines Tools </a:t>
+            </a:r>
+          </a:p>
+        </p:txBody>
+      </p:sp>
+      <p:sp>
+        <p:nvSpPr>
+          <p:cNvPr id="7" name="Foliennummernplatzhalter 6">
+            <a:extLst>
+              <a:ext uri="{FF2B5EF4-FFF2-40B4-BE49-F238E27FC236}">
+                <a16:creationId xmlns:a16="http://schemas.microsoft.com/office/drawing/2014/main" id="{07C4F89A-D948-425B-9D19-40ED1B617A99}"/>
+              </a:ext>
+            </a:extLst>
+          </p:cNvPr>
+          <p:cNvSpPr>
+            <a:spLocks noGrp="1"/>
+          </p:cNvSpPr>
+          <p:nvPr>
+            <p:ph type="sldNum" sz="quarter" idx="12"/>
+          </p:nvPr>
+        </p:nvSpPr>
+        <p:spPr/>
+        <p:txBody>
+          <a:bodyPr/>
+          <a:lstStyle/>
+          <a:p>
+            <a:fld id="{58CAACEB-2C49-4DBE-A548-363F7515F892}" type="slidenum">
+              <a:rPr lang="de-DE" smtClean="0"/>
+              <a:t>5</a:t>
+            </a:fld>
+            <a:endParaRPr lang="de-DE"/>
+          </a:p>
+        </p:txBody>
+      </p:sp>
+      <p:sp>
+        <p:nvSpPr>
+          <p:cNvPr id="8" name="Datumsplatzhalter 7">
+            <a:extLst>
+              <a:ext uri="{FF2B5EF4-FFF2-40B4-BE49-F238E27FC236}">
+                <a16:creationId xmlns:a16="http://schemas.microsoft.com/office/drawing/2014/main" id="{3597EFFC-DCA5-4107-A865-751A092FC5D8}"/>
+              </a:ext>
+            </a:extLst>
+          </p:cNvPr>
+          <p:cNvSpPr>
+            <a:spLocks noGrp="1"/>
+          </p:cNvSpPr>
+          <p:nvPr>
+            <p:ph type="dt" sz="half" idx="10"/>
+          </p:nvPr>
+        </p:nvSpPr>
+        <p:spPr/>
+        <p:txBody>
+          <a:bodyPr/>
+          <a:lstStyle/>
+          <a:p>
+            <a:fld id="{73563E5F-9AE2-407F-85F1-9389EBF1ABB0}" type="datetime1">
+              <a:rPr lang="de-DE" smtClean="0"/>
+              <a:t>26.09.2018</a:t>
+            </a:fld>
+            <a:endParaRPr lang="de-DE"/>
+          </a:p>
+        </p:txBody>
+      </p:sp>
+      <p:sp>
+        <p:nvSpPr>
+          <p:cNvPr id="9" name="Fußzeilenplatzhalter 8">
+            <a:extLst>
+              <a:ext uri="{FF2B5EF4-FFF2-40B4-BE49-F238E27FC236}">
+                <a16:creationId xmlns:a16="http://schemas.microsoft.com/office/drawing/2014/main" id="{7BBB5F69-6917-4384-ABA9-3A0471A43A84}"/>
+              </a:ext>
+            </a:extLst>
+          </p:cNvPr>
+          <p:cNvSpPr>
+            <a:spLocks noGrp="1"/>
+          </p:cNvSpPr>
+          <p:nvPr>
+            <p:ph type="ftr" sz="quarter" idx="11"/>
+          </p:nvPr>
+        </p:nvSpPr>
+        <p:spPr/>
+        <p:txBody>
+          <a:bodyPr/>
+          <a:lstStyle/>
+          <a:p>
+            <a:r>
+              <a:rPr lang="en-US"/>
+              <a:t>Developing Multilingual Applications in WPF - Johannes Kolata</a:t>
+            </a:r>
+            <a:endParaRPr lang="de-DE"/>
           </a:p>
         </p:txBody>
       </p:sp>
@@ -4486,6 +6573,434 @@
   <p:clrMapOvr>
     <a:masterClrMapping/>
   </p:clrMapOvr>
+  <p:timing>
+    <p:tnLst>
+      <p:par>
+        <p:cTn id="1" dur="indefinite" restart="never" nodeType="tmRoot">
+          <p:childTnLst>
+            <p:seq concurrent="1" nextAc="seek">
+              <p:cTn id="2" dur="indefinite" nodeType="mainSeq">
+                <p:childTnLst>
+                  <p:par>
+                    <p:cTn id="3" fill="hold">
+                      <p:stCondLst>
+                        <p:cond delay="indefinite"/>
+                      </p:stCondLst>
+                      <p:childTnLst>
+                        <p:par>
+                          <p:cTn id="4" fill="hold">
+                            <p:stCondLst>
+                              <p:cond delay="0"/>
+                            </p:stCondLst>
+                            <p:childTnLst>
+                              <p:par>
+                                <p:cTn id="5" presetID="1" presetClass="entr" presetSubtype="0" fill="hold" grpId="0" nodeType="clickEffect">
+                                  <p:stCondLst>
+                                    <p:cond delay="0"/>
+                                  </p:stCondLst>
+                                  <p:childTnLst>
+                                    <p:set>
+                                      <p:cBhvr>
+                                        <p:cTn id="6" dur="1" fill="hold">
+                                          <p:stCondLst>
+                                            <p:cond delay="0"/>
+                                          </p:stCondLst>
+                                        </p:cTn>
+                                        <p:tgtEl>
+                                          <p:spTgt spid="3">
+                                            <p:txEl>
+                                              <p:pRg st="0" end="0"/>
+                                            </p:txEl>
+                                          </p:spTgt>
+                                        </p:tgtEl>
+                                        <p:attrNameLst>
+                                          <p:attrName>style.visibility</p:attrName>
+                                        </p:attrNameLst>
+                                      </p:cBhvr>
+                                      <p:to>
+                                        <p:strVal val="visible"/>
+                                      </p:to>
+                                    </p:set>
+                                  </p:childTnLst>
+                                </p:cTn>
+                              </p:par>
+                            </p:childTnLst>
+                          </p:cTn>
+                        </p:par>
+                      </p:childTnLst>
+                    </p:cTn>
+                  </p:par>
+                  <p:par>
+                    <p:cTn id="7" fill="hold">
+                      <p:stCondLst>
+                        <p:cond delay="indefinite"/>
+                      </p:stCondLst>
+                      <p:childTnLst>
+                        <p:par>
+                          <p:cTn id="8" fill="hold">
+                            <p:stCondLst>
+                              <p:cond delay="0"/>
+                            </p:stCondLst>
+                            <p:childTnLst>
+                              <p:par>
+                                <p:cTn id="9" presetID="1" presetClass="entr" presetSubtype="0" fill="hold" grpId="0" nodeType="clickEffect">
+                                  <p:stCondLst>
+                                    <p:cond delay="0"/>
+                                  </p:stCondLst>
+                                  <p:childTnLst>
+                                    <p:set>
+                                      <p:cBhvr>
+                                        <p:cTn id="10" dur="1" fill="hold">
+                                          <p:stCondLst>
+                                            <p:cond delay="0"/>
+                                          </p:stCondLst>
+                                        </p:cTn>
+                                        <p:tgtEl>
+                                          <p:spTgt spid="4">
+                                            <p:txEl>
+                                              <p:pRg st="0" end="0"/>
+                                            </p:txEl>
+                                          </p:spTgt>
+                                        </p:tgtEl>
+                                        <p:attrNameLst>
+                                          <p:attrName>style.visibility</p:attrName>
+                                        </p:attrNameLst>
+                                      </p:cBhvr>
+                                      <p:to>
+                                        <p:strVal val="visible"/>
+                                      </p:to>
+                                    </p:set>
+                                  </p:childTnLst>
+                                </p:cTn>
+                              </p:par>
+                            </p:childTnLst>
+                          </p:cTn>
+                        </p:par>
+                      </p:childTnLst>
+                    </p:cTn>
+                  </p:par>
+                  <p:par>
+                    <p:cTn id="11" fill="hold">
+                      <p:stCondLst>
+                        <p:cond delay="indefinite"/>
+                      </p:stCondLst>
+                      <p:childTnLst>
+                        <p:par>
+                          <p:cTn id="12" fill="hold">
+                            <p:stCondLst>
+                              <p:cond delay="0"/>
+                            </p:stCondLst>
+                            <p:childTnLst>
+                              <p:par>
+                                <p:cTn id="13" presetID="1" presetClass="entr" presetSubtype="0" fill="hold" grpId="0" nodeType="clickEffect">
+                                  <p:stCondLst>
+                                    <p:cond delay="0"/>
+                                  </p:stCondLst>
+                                  <p:childTnLst>
+                                    <p:set>
+                                      <p:cBhvr>
+                                        <p:cTn id="14" dur="1" fill="hold">
+                                          <p:stCondLst>
+                                            <p:cond delay="0"/>
+                                          </p:stCondLst>
+                                        </p:cTn>
+                                        <p:tgtEl>
+                                          <p:spTgt spid="4">
+                                            <p:txEl>
+                                              <p:pRg st="1" end="1"/>
+                                            </p:txEl>
+                                          </p:spTgt>
+                                        </p:tgtEl>
+                                        <p:attrNameLst>
+                                          <p:attrName>style.visibility</p:attrName>
+                                        </p:attrNameLst>
+                                      </p:cBhvr>
+                                      <p:to>
+                                        <p:strVal val="visible"/>
+                                      </p:to>
+                                    </p:set>
+                                  </p:childTnLst>
+                                </p:cTn>
+                              </p:par>
+                            </p:childTnLst>
+                          </p:cTn>
+                        </p:par>
+                      </p:childTnLst>
+                    </p:cTn>
+                  </p:par>
+                  <p:par>
+                    <p:cTn id="15" fill="hold">
+                      <p:stCondLst>
+                        <p:cond delay="indefinite"/>
+                      </p:stCondLst>
+                      <p:childTnLst>
+                        <p:par>
+                          <p:cTn id="16" fill="hold">
+                            <p:stCondLst>
+                              <p:cond delay="0"/>
+                            </p:stCondLst>
+                            <p:childTnLst>
+                              <p:par>
+                                <p:cTn id="17" presetID="1" presetClass="entr" presetSubtype="0" fill="hold" grpId="0" nodeType="clickEffect">
+                                  <p:stCondLst>
+                                    <p:cond delay="0"/>
+                                  </p:stCondLst>
+                                  <p:childTnLst>
+                                    <p:set>
+                                      <p:cBhvr>
+                                        <p:cTn id="18" dur="1" fill="hold">
+                                          <p:stCondLst>
+                                            <p:cond delay="0"/>
+                                          </p:stCondLst>
+                                        </p:cTn>
+                                        <p:tgtEl>
+                                          <p:spTgt spid="4">
+                                            <p:txEl>
+                                              <p:pRg st="2" end="2"/>
+                                            </p:txEl>
+                                          </p:spTgt>
+                                        </p:tgtEl>
+                                        <p:attrNameLst>
+                                          <p:attrName>style.visibility</p:attrName>
+                                        </p:attrNameLst>
+                                      </p:cBhvr>
+                                      <p:to>
+                                        <p:strVal val="visible"/>
+                                      </p:to>
+                                    </p:set>
+                                  </p:childTnLst>
+                                </p:cTn>
+                              </p:par>
+                            </p:childTnLst>
+                          </p:cTn>
+                        </p:par>
+                      </p:childTnLst>
+                    </p:cTn>
+                  </p:par>
+                  <p:par>
+                    <p:cTn id="19" fill="hold">
+                      <p:stCondLst>
+                        <p:cond delay="indefinite"/>
+                      </p:stCondLst>
+                      <p:childTnLst>
+                        <p:par>
+                          <p:cTn id="20" fill="hold">
+                            <p:stCondLst>
+                              <p:cond delay="0"/>
+                            </p:stCondLst>
+                            <p:childTnLst>
+                              <p:par>
+                                <p:cTn id="21" presetID="1" presetClass="entr" presetSubtype="0" fill="hold" grpId="0" nodeType="clickEffect">
+                                  <p:stCondLst>
+                                    <p:cond delay="0"/>
+                                  </p:stCondLst>
+                                  <p:childTnLst>
+                                    <p:set>
+                                      <p:cBhvr>
+                                        <p:cTn id="22" dur="1" fill="hold">
+                                          <p:stCondLst>
+                                            <p:cond delay="0"/>
+                                          </p:stCondLst>
+                                        </p:cTn>
+                                        <p:tgtEl>
+                                          <p:spTgt spid="4">
+                                            <p:txEl>
+                                              <p:pRg st="3" end="3"/>
+                                            </p:txEl>
+                                          </p:spTgt>
+                                        </p:tgtEl>
+                                        <p:attrNameLst>
+                                          <p:attrName>style.visibility</p:attrName>
+                                        </p:attrNameLst>
+                                      </p:cBhvr>
+                                      <p:to>
+                                        <p:strVal val="visible"/>
+                                      </p:to>
+                                    </p:set>
+                                  </p:childTnLst>
+                                </p:cTn>
+                              </p:par>
+                            </p:childTnLst>
+                          </p:cTn>
+                        </p:par>
+                      </p:childTnLst>
+                    </p:cTn>
+                  </p:par>
+                  <p:par>
+                    <p:cTn id="23" fill="hold">
+                      <p:stCondLst>
+                        <p:cond delay="indefinite"/>
+                      </p:stCondLst>
+                      <p:childTnLst>
+                        <p:par>
+                          <p:cTn id="24" fill="hold">
+                            <p:stCondLst>
+                              <p:cond delay="0"/>
+                            </p:stCondLst>
+                            <p:childTnLst>
+                              <p:par>
+                                <p:cTn id="25" presetID="1" presetClass="entr" presetSubtype="0" fill="hold" grpId="0" nodeType="clickEffect">
+                                  <p:stCondLst>
+                                    <p:cond delay="0"/>
+                                  </p:stCondLst>
+                                  <p:childTnLst>
+                                    <p:set>
+                                      <p:cBhvr>
+                                        <p:cTn id="26" dur="1" fill="hold">
+                                          <p:stCondLst>
+                                            <p:cond delay="0"/>
+                                          </p:stCondLst>
+                                        </p:cTn>
+                                        <p:tgtEl>
+                                          <p:spTgt spid="5">
+                                            <p:txEl>
+                                              <p:pRg st="0" end="0"/>
+                                            </p:txEl>
+                                          </p:spTgt>
+                                        </p:tgtEl>
+                                        <p:attrNameLst>
+                                          <p:attrName>style.visibility</p:attrName>
+                                        </p:attrNameLst>
+                                      </p:cBhvr>
+                                      <p:to>
+                                        <p:strVal val="visible"/>
+                                      </p:to>
+                                    </p:set>
+                                  </p:childTnLst>
+                                </p:cTn>
+                              </p:par>
+                            </p:childTnLst>
+                          </p:cTn>
+                        </p:par>
+                      </p:childTnLst>
+                    </p:cTn>
+                  </p:par>
+                  <p:par>
+                    <p:cTn id="27" fill="hold">
+                      <p:stCondLst>
+                        <p:cond delay="indefinite"/>
+                      </p:stCondLst>
+                      <p:childTnLst>
+                        <p:par>
+                          <p:cTn id="28" fill="hold">
+                            <p:stCondLst>
+                              <p:cond delay="0"/>
+                            </p:stCondLst>
+                            <p:childTnLst>
+                              <p:par>
+                                <p:cTn id="29" presetID="1" presetClass="entr" presetSubtype="0" fill="hold" grpId="0" nodeType="clickEffect">
+                                  <p:stCondLst>
+                                    <p:cond delay="0"/>
+                                  </p:stCondLst>
+                                  <p:childTnLst>
+                                    <p:set>
+                                      <p:cBhvr>
+                                        <p:cTn id="30" dur="1" fill="hold">
+                                          <p:stCondLst>
+                                            <p:cond delay="0"/>
+                                          </p:stCondLst>
+                                        </p:cTn>
+                                        <p:tgtEl>
+                                          <p:spTgt spid="6">
+                                            <p:txEl>
+                                              <p:pRg st="0" end="0"/>
+                                            </p:txEl>
+                                          </p:spTgt>
+                                        </p:tgtEl>
+                                        <p:attrNameLst>
+                                          <p:attrName>style.visibility</p:attrName>
+                                        </p:attrNameLst>
+                                      </p:cBhvr>
+                                      <p:to>
+                                        <p:strVal val="visible"/>
+                                      </p:to>
+                                    </p:set>
+                                  </p:childTnLst>
+                                </p:cTn>
+                              </p:par>
+                            </p:childTnLst>
+                          </p:cTn>
+                        </p:par>
+                      </p:childTnLst>
+                    </p:cTn>
+                  </p:par>
+                  <p:par>
+                    <p:cTn id="31" fill="hold">
+                      <p:stCondLst>
+                        <p:cond delay="indefinite"/>
+                      </p:stCondLst>
+                      <p:childTnLst>
+                        <p:par>
+                          <p:cTn id="32" fill="hold">
+                            <p:stCondLst>
+                              <p:cond delay="0"/>
+                            </p:stCondLst>
+                            <p:childTnLst>
+                              <p:par>
+                                <p:cTn id="33" presetID="1" presetClass="entr" presetSubtype="0" fill="hold" grpId="0" nodeType="clickEffect">
+                                  <p:stCondLst>
+                                    <p:cond delay="0"/>
+                                  </p:stCondLst>
+                                  <p:childTnLst>
+                                    <p:set>
+                                      <p:cBhvr>
+                                        <p:cTn id="34" dur="1" fill="hold">
+                                          <p:stCondLst>
+                                            <p:cond delay="0"/>
+                                          </p:stCondLst>
+                                        </p:cTn>
+                                        <p:tgtEl>
+                                          <p:spTgt spid="6">
+                                            <p:txEl>
+                                              <p:pRg st="1" end="1"/>
+                                            </p:txEl>
+                                          </p:spTgt>
+                                        </p:tgtEl>
+                                        <p:attrNameLst>
+                                          <p:attrName>style.visibility</p:attrName>
+                                        </p:attrNameLst>
+                                      </p:cBhvr>
+                                      <p:to>
+                                        <p:strVal val="visible"/>
+                                      </p:to>
+                                    </p:set>
+                                  </p:childTnLst>
+                                </p:cTn>
+                              </p:par>
+                            </p:childTnLst>
+                          </p:cTn>
+                        </p:par>
+                      </p:childTnLst>
+                    </p:cTn>
+                  </p:par>
+                </p:childTnLst>
+              </p:cTn>
+              <p:prevCondLst>
+                <p:cond evt="onPrev" delay="0">
+                  <p:tgtEl>
+                    <p:sldTgt/>
+                  </p:tgtEl>
+                </p:cond>
+              </p:prevCondLst>
+              <p:nextCondLst>
+                <p:cond evt="onNext" delay="0">
+                  <p:tgtEl>
+                    <p:sldTgt/>
+                  </p:tgtEl>
+                </p:cond>
+              </p:nextCondLst>
+            </p:seq>
+          </p:childTnLst>
+        </p:cTn>
+      </p:par>
+    </p:tnLst>
+    <p:bldLst>
+      <p:bldP spid="3" grpId="0" build="p"/>
+      <p:bldP spid="4" grpId="0" build="p"/>
+      <p:bldP spid="5" grpId="0" build="p"/>
+      <p:bldP spid="6" grpId="0" build="p"/>
+    </p:bldLst>
+  </p:timing>
 </p:sld>
 </file>
 
@@ -4534,31 +7049,185 @@
           </a:p>
         </p:txBody>
       </p:sp>
-      <p:sp>
-        <p:nvSpPr>
-          <p:cNvPr id="8" name="Inhaltsplatzhalter 7">
+      <p:pic>
+        <p:nvPicPr>
+          <p:cNvPr id="12" name="Inhaltsplatzhalter 11">
             <a:extLst>
               <a:ext uri="{FF2B5EF4-FFF2-40B4-BE49-F238E27FC236}">
-                <a16:creationId xmlns:a16="http://schemas.microsoft.com/office/drawing/2014/main" id="{3963B847-523A-4323-A56D-A348A45F9A16}"/>
+                <a16:creationId xmlns:a16="http://schemas.microsoft.com/office/drawing/2014/main" id="{ACCA8F77-9568-4AA3-90F3-AB6303C0DE72}"/>
               </a:ext>
             </a:extLst>
           </p:cNvPr>
-          <p:cNvSpPr>
-            <a:spLocks noGrp="1"/>
-          </p:cNvSpPr>
+          <p:cNvPicPr>
+            <a:picLocks noGrp="1" noChangeAspect="1"/>
+          </p:cNvPicPr>
           <p:nvPr>
             <p:ph idx="1"/>
           </p:nvPr>
+        </p:nvPicPr>
+        <p:blipFill>
+          <a:blip r:embed="rId2"/>
+          <a:stretch>
+            <a:fillRect/>
+          </a:stretch>
+        </p:blipFill>
+        <p:spPr>
+          <a:xfrm>
+            <a:off x="217021" y="1789043"/>
+            <a:ext cx="5878979" cy="2346753"/>
+          </a:xfrm>
+          <a:prstGeom prst="rect">
+            <a:avLst/>
+          </a:prstGeom>
+        </p:spPr>
+      </p:pic>
+      <p:sp>
+        <p:nvSpPr>
+          <p:cNvPr id="9" name="Foliennummernplatzhalter 8">
+            <a:extLst>
+              <a:ext uri="{FF2B5EF4-FFF2-40B4-BE49-F238E27FC236}">
+                <a16:creationId xmlns:a16="http://schemas.microsoft.com/office/drawing/2014/main" id="{8C0366C3-BD73-4204-AEDE-F1261C36CC82}"/>
+              </a:ext>
+            </a:extLst>
+          </p:cNvPr>
+          <p:cNvSpPr>
+            <a:spLocks noGrp="1"/>
+          </p:cNvSpPr>
+          <p:nvPr>
+            <p:ph type="sldNum" sz="quarter" idx="12"/>
+          </p:nvPr>
         </p:nvSpPr>
         <p:spPr/>
         <p:txBody>
           <a:bodyPr/>
           <a:lstStyle/>
           <a:p>
-            <a:endParaRPr lang="de-DE" dirty="0"/>
-          </a:p>
-        </p:txBody>
-      </p:sp>
+            <a:fld id="{58CAACEB-2C49-4DBE-A548-363F7515F892}" type="slidenum">
+              <a:rPr lang="de-DE" smtClean="0"/>
+              <a:t>6</a:t>
+            </a:fld>
+            <a:endParaRPr lang="de-DE"/>
+          </a:p>
+        </p:txBody>
+      </p:sp>
+      <p:sp>
+        <p:nvSpPr>
+          <p:cNvPr id="10" name="Datumsplatzhalter 9">
+            <a:extLst>
+              <a:ext uri="{FF2B5EF4-FFF2-40B4-BE49-F238E27FC236}">
+                <a16:creationId xmlns:a16="http://schemas.microsoft.com/office/drawing/2014/main" id="{935D332F-4171-4E72-BD3B-505AB89D010D}"/>
+              </a:ext>
+            </a:extLst>
+          </p:cNvPr>
+          <p:cNvSpPr>
+            <a:spLocks noGrp="1"/>
+          </p:cNvSpPr>
+          <p:nvPr>
+            <p:ph type="dt" sz="half" idx="10"/>
+          </p:nvPr>
+        </p:nvSpPr>
+        <p:spPr/>
+        <p:txBody>
+          <a:bodyPr/>
+          <a:lstStyle/>
+          <a:p>
+            <a:fld id="{DDAC86EF-86A3-4B84-8474-AA084D67D0ED}" type="datetime1">
+              <a:rPr lang="de-DE" smtClean="0"/>
+              <a:t>26.09.2018</a:t>
+            </a:fld>
+            <a:endParaRPr lang="de-DE"/>
+          </a:p>
+        </p:txBody>
+      </p:sp>
+      <p:sp>
+        <p:nvSpPr>
+          <p:cNvPr id="11" name="Fußzeilenplatzhalter 10">
+            <a:extLst>
+              <a:ext uri="{FF2B5EF4-FFF2-40B4-BE49-F238E27FC236}">
+                <a16:creationId xmlns:a16="http://schemas.microsoft.com/office/drawing/2014/main" id="{D53F31F5-C62E-4C84-B10C-DE29B0574CA3}"/>
+              </a:ext>
+            </a:extLst>
+          </p:cNvPr>
+          <p:cNvSpPr>
+            <a:spLocks noGrp="1"/>
+          </p:cNvSpPr>
+          <p:nvPr>
+            <p:ph type="ftr" sz="quarter" idx="11"/>
+          </p:nvPr>
+        </p:nvSpPr>
+        <p:spPr/>
+        <p:txBody>
+          <a:bodyPr/>
+          <a:lstStyle/>
+          <a:p>
+            <a:r>
+              <a:rPr lang="en-US"/>
+              <a:t>Developing Multilingual Applications in WPF - Johannes Kolata</a:t>
+            </a:r>
+            <a:endParaRPr lang="de-DE"/>
+          </a:p>
+        </p:txBody>
+      </p:sp>
+      <p:pic>
+        <p:nvPicPr>
+          <p:cNvPr id="13" name="Grafik 12">
+            <a:extLst>
+              <a:ext uri="{FF2B5EF4-FFF2-40B4-BE49-F238E27FC236}">
+                <a16:creationId xmlns:a16="http://schemas.microsoft.com/office/drawing/2014/main" id="{1FE609A7-607D-44BD-9D54-2F9BE19F655A}"/>
+              </a:ext>
+            </a:extLst>
+          </p:cNvPr>
+          <p:cNvPicPr>
+            <a:picLocks noChangeAspect="1"/>
+          </p:cNvPicPr>
+          <p:nvPr/>
+        </p:nvPicPr>
+        <p:blipFill>
+          <a:blip r:embed="rId3"/>
+          <a:stretch>
+            <a:fillRect/>
+          </a:stretch>
+        </p:blipFill>
+        <p:spPr>
+          <a:xfrm>
+            <a:off x="5305295" y="4187480"/>
+            <a:ext cx="6780287" cy="846499"/>
+          </a:xfrm>
+          <a:prstGeom prst="rect">
+            <a:avLst/>
+          </a:prstGeom>
+        </p:spPr>
+      </p:pic>
+      <p:pic>
+        <p:nvPicPr>
+          <p:cNvPr id="14" name="Grafik 13">
+            <a:extLst>
+              <a:ext uri="{FF2B5EF4-FFF2-40B4-BE49-F238E27FC236}">
+                <a16:creationId xmlns:a16="http://schemas.microsoft.com/office/drawing/2014/main" id="{62DAF420-BCFD-44DF-9F4D-1CA1A3AA747B}"/>
+              </a:ext>
+            </a:extLst>
+          </p:cNvPr>
+          <p:cNvPicPr>
+            <a:picLocks noChangeAspect="1"/>
+          </p:cNvPicPr>
+          <p:nvPr/>
+        </p:nvPicPr>
+        <p:blipFill>
+          <a:blip r:embed="rId4"/>
+          <a:stretch>
+            <a:fillRect/>
+          </a:stretch>
+        </p:blipFill>
+        <p:spPr>
+          <a:xfrm>
+            <a:off x="318089" y="5085663"/>
+            <a:ext cx="6736191" cy="1275340"/>
+          </a:xfrm>
+          <a:prstGeom prst="rect">
+            <a:avLst/>
+          </a:prstGeom>
+        </p:spPr>
+      </p:pic>
     </p:spTree>
     <p:extLst>
       <p:ext uri="{BB962C8B-B14F-4D97-AF65-F5344CB8AC3E}">
@@ -4569,6 +7238,171 @@
   <p:clrMapOvr>
     <a:masterClrMapping/>
   </p:clrMapOvr>
+  <p:timing>
+    <p:tnLst>
+      <p:par>
+        <p:cTn id="1" dur="indefinite" restart="never" nodeType="tmRoot">
+          <p:childTnLst>
+            <p:seq concurrent="1" nextAc="seek">
+              <p:cTn id="2" dur="indefinite" nodeType="mainSeq">
+                <p:childTnLst>
+                  <p:par>
+                    <p:cTn id="3" fill="hold">
+                      <p:stCondLst>
+                        <p:cond delay="indefinite"/>
+                      </p:stCondLst>
+                      <p:childTnLst>
+                        <p:par>
+                          <p:cTn id="4" fill="hold">
+                            <p:stCondLst>
+                              <p:cond delay="0"/>
+                            </p:stCondLst>
+                            <p:childTnLst>
+                              <p:par>
+                                <p:cTn id="5" presetID="1" presetClass="entr" presetSubtype="0" fill="hold" nodeType="clickEffect">
+                                  <p:stCondLst>
+                                    <p:cond delay="0"/>
+                                  </p:stCondLst>
+                                  <p:childTnLst>
+                                    <p:set>
+                                      <p:cBhvr>
+                                        <p:cTn id="6" dur="1" fill="hold">
+                                          <p:stCondLst>
+                                            <p:cond delay="0"/>
+                                          </p:stCondLst>
+                                        </p:cTn>
+                                        <p:tgtEl>
+                                          <p:spTgt spid="12"/>
+                                        </p:tgtEl>
+                                        <p:attrNameLst>
+                                          <p:attrName>style.visibility</p:attrName>
+                                        </p:attrNameLst>
+                                      </p:cBhvr>
+                                      <p:to>
+                                        <p:strVal val="visible"/>
+                                      </p:to>
+                                    </p:set>
+                                  </p:childTnLst>
+                                </p:cTn>
+                              </p:par>
+                            </p:childTnLst>
+                          </p:cTn>
+                        </p:par>
+                      </p:childTnLst>
+                    </p:cTn>
+                  </p:par>
+                  <p:par>
+                    <p:cTn id="7" fill="hold">
+                      <p:stCondLst>
+                        <p:cond delay="indefinite"/>
+                      </p:stCondLst>
+                      <p:childTnLst>
+                        <p:par>
+                          <p:cTn id="8" fill="hold">
+                            <p:stCondLst>
+                              <p:cond delay="0"/>
+                            </p:stCondLst>
+                            <p:childTnLst>
+                              <p:par>
+                                <p:cTn id="9" presetID="1" presetClass="entr" presetSubtype="0" fill="hold" nodeType="clickEffect">
+                                  <p:stCondLst>
+                                    <p:cond delay="0"/>
+                                  </p:stCondLst>
+                                  <p:childTnLst>
+                                    <p:set>
+                                      <p:cBhvr>
+                                        <p:cTn id="10" dur="1" fill="hold">
+                                          <p:stCondLst>
+                                            <p:cond delay="0"/>
+                                          </p:stCondLst>
+                                        </p:cTn>
+                                        <p:tgtEl>
+                                          <p:spTgt spid="13"/>
+                                        </p:tgtEl>
+                                        <p:attrNameLst>
+                                          <p:attrName>style.visibility</p:attrName>
+                                        </p:attrNameLst>
+                                      </p:cBhvr>
+                                      <p:to>
+                                        <p:strVal val="visible"/>
+                                      </p:to>
+                                    </p:set>
+                                  </p:childTnLst>
+                                </p:cTn>
+                              </p:par>
+                            </p:childTnLst>
+                          </p:cTn>
+                        </p:par>
+                      </p:childTnLst>
+                    </p:cTn>
+                  </p:par>
+                  <p:par>
+                    <p:cTn id="11" fill="hold">
+                      <p:stCondLst>
+                        <p:cond delay="indefinite"/>
+                      </p:stCondLst>
+                      <p:childTnLst>
+                        <p:par>
+                          <p:cTn id="12" fill="hold">
+                            <p:stCondLst>
+                              <p:cond delay="0"/>
+                            </p:stCondLst>
+                            <p:childTnLst>
+                              <p:par>
+                                <p:cTn id="13" presetID="1" presetClass="entr" presetSubtype="0" fill="hold" nodeType="clickEffect">
+                                  <p:stCondLst>
+                                    <p:cond delay="0"/>
+                                  </p:stCondLst>
+                                  <p:childTnLst>
+                                    <p:set>
+                                      <p:cBhvr>
+                                        <p:cTn id="14" dur="1" fill="hold">
+                                          <p:stCondLst>
+                                            <p:cond delay="0"/>
+                                          </p:stCondLst>
+                                        </p:cTn>
+                                        <p:tgtEl>
+                                          <p:spTgt spid="14"/>
+                                        </p:tgtEl>
+                                        <p:attrNameLst>
+                                          <p:attrName>style.visibility</p:attrName>
+                                        </p:attrNameLst>
+                                      </p:cBhvr>
+                                      <p:to>
+                                        <p:strVal val="visible"/>
+                                      </p:to>
+                                    </p:set>
+                                  </p:childTnLst>
+                                </p:cTn>
+                              </p:par>
+                            </p:childTnLst>
+                          </p:cTn>
+                        </p:par>
+                      </p:childTnLst>
+                    </p:cTn>
+                  </p:par>
+                </p:childTnLst>
+              </p:cTn>
+              <p:prevCondLst>
+                <p:cond evt="onPrev" delay="0">
+                  <p:tgtEl>
+                    <p:sldTgt/>
+                  </p:tgtEl>
+                </p:cond>
+              </p:prevCondLst>
+              <p:nextCondLst>
+                <p:cond evt="onNext" delay="0">
+                  <p:tgtEl>
+                    <p:sldTgt/>
+                  </p:tgtEl>
+                </p:cond>
+              </p:nextCondLst>
+            </p:seq>
+          </p:childTnLst>
+        </p:cTn>
+      </p:par>
+    </p:tnLst>
+  </p:timing>
 </p:sld>
 </file>
 
@@ -4614,6 +7448,93 @@
               <a:rPr lang="de-DE" dirty="0"/>
               <a:t>Demo</a:t>
             </a:r>
+          </a:p>
+        </p:txBody>
+      </p:sp>
+      <p:sp>
+        <p:nvSpPr>
+          <p:cNvPr id="4" name="Foliennummernplatzhalter 3">
+            <a:extLst>
+              <a:ext uri="{FF2B5EF4-FFF2-40B4-BE49-F238E27FC236}">
+                <a16:creationId xmlns:a16="http://schemas.microsoft.com/office/drawing/2014/main" id="{B105B9C1-782C-4484-8AFA-FA2278D0852D}"/>
+              </a:ext>
+            </a:extLst>
+          </p:cNvPr>
+          <p:cNvSpPr>
+            <a:spLocks noGrp="1"/>
+          </p:cNvSpPr>
+          <p:nvPr>
+            <p:ph type="sldNum" sz="quarter" idx="12"/>
+          </p:nvPr>
+        </p:nvSpPr>
+        <p:spPr/>
+        <p:txBody>
+          <a:bodyPr/>
+          <a:lstStyle/>
+          <a:p>
+            <a:fld id="{58CAACEB-2C49-4DBE-A548-363F7515F892}" type="slidenum">
+              <a:rPr lang="de-DE" smtClean="0"/>
+              <a:t>7</a:t>
+            </a:fld>
+            <a:endParaRPr lang="de-DE" dirty="0"/>
+          </a:p>
+        </p:txBody>
+      </p:sp>
+      <p:sp>
+        <p:nvSpPr>
+          <p:cNvPr id="5" name="Datumsplatzhalter 4">
+            <a:extLst>
+              <a:ext uri="{FF2B5EF4-FFF2-40B4-BE49-F238E27FC236}">
+                <a16:creationId xmlns:a16="http://schemas.microsoft.com/office/drawing/2014/main" id="{951082E2-190D-4829-87EE-E7A896672B63}"/>
+              </a:ext>
+            </a:extLst>
+          </p:cNvPr>
+          <p:cNvSpPr>
+            <a:spLocks noGrp="1"/>
+          </p:cNvSpPr>
+          <p:nvPr>
+            <p:ph type="dt" sz="half" idx="10"/>
+          </p:nvPr>
+        </p:nvSpPr>
+        <p:spPr/>
+        <p:txBody>
+          <a:bodyPr/>
+          <a:lstStyle/>
+          <a:p>
+            <a:fld id="{0715DE98-FE77-4AC7-8491-6506D9F291C3}" type="datetime1">
+              <a:rPr lang="de-DE" smtClean="0"/>
+              <a:t>26.09.2018</a:t>
+            </a:fld>
+            <a:endParaRPr lang="de-DE" dirty="0"/>
+          </a:p>
+        </p:txBody>
+      </p:sp>
+      <p:sp>
+        <p:nvSpPr>
+          <p:cNvPr id="6" name="Fußzeilenplatzhalter 5">
+            <a:extLst>
+              <a:ext uri="{FF2B5EF4-FFF2-40B4-BE49-F238E27FC236}">
+                <a16:creationId xmlns:a16="http://schemas.microsoft.com/office/drawing/2014/main" id="{FEDC88F1-B0EF-4A65-9D27-8BDB04F7A99D}"/>
+              </a:ext>
+            </a:extLst>
+          </p:cNvPr>
+          <p:cNvSpPr>
+            <a:spLocks noGrp="1"/>
+          </p:cNvSpPr>
+          <p:nvPr>
+            <p:ph type="ftr" sz="quarter" idx="11"/>
+          </p:nvPr>
+        </p:nvSpPr>
+        <p:spPr/>
+        <p:txBody>
+          <a:bodyPr/>
+          <a:lstStyle/>
+          <a:p>
+            <a:r>
+              <a:rPr lang="en-US" dirty="0"/>
+              <a:t>Developing Multilingual Applications in WPF - Johannes Kolata</a:t>
+            </a:r>
+            <a:endParaRPr lang="de-DE" dirty="0"/>
           </a:p>
         </p:txBody>
       </p:sp>
@@ -4652,6 +7573,151 @@
           <p:cNvPr id="2" name="Titel 1">
             <a:extLst>
               <a:ext uri="{FF2B5EF4-FFF2-40B4-BE49-F238E27FC236}">
+                <a16:creationId xmlns:a16="http://schemas.microsoft.com/office/drawing/2014/main" id="{019F235D-C7F0-454B-B8B2-D7DE14E5AE64}"/>
+              </a:ext>
+            </a:extLst>
+          </p:cNvPr>
+          <p:cNvSpPr>
+            <a:spLocks noGrp="1"/>
+          </p:cNvSpPr>
+          <p:nvPr>
+            <p:ph type="title"/>
+          </p:nvPr>
+        </p:nvSpPr>
+        <p:spPr/>
+        <p:txBody>
+          <a:bodyPr/>
+          <a:lstStyle/>
+          <a:p>
+            <a:r>
+              <a:rPr lang="de-DE" dirty="0"/>
+              <a:t>Fragen</a:t>
+            </a:r>
+          </a:p>
+        </p:txBody>
+      </p:sp>
+      <p:sp>
+        <p:nvSpPr>
+          <p:cNvPr id="4" name="Datumsplatzhalter 3">
+            <a:extLst>
+              <a:ext uri="{FF2B5EF4-FFF2-40B4-BE49-F238E27FC236}">
+                <a16:creationId xmlns:a16="http://schemas.microsoft.com/office/drawing/2014/main" id="{E0757884-F292-46D5-B7D2-9DFF9DDE2ADB}"/>
+              </a:ext>
+            </a:extLst>
+          </p:cNvPr>
+          <p:cNvSpPr>
+            <a:spLocks noGrp="1"/>
+          </p:cNvSpPr>
+          <p:nvPr>
+            <p:ph type="dt" sz="half" idx="10"/>
+          </p:nvPr>
+        </p:nvSpPr>
+        <p:spPr/>
+        <p:txBody>
+          <a:bodyPr/>
+          <a:lstStyle/>
+          <a:p>
+            <a:fld id="{A9DF85A2-4E70-4052-9EF3-8D1C2615FEE2}" type="datetime1">
+              <a:rPr lang="de-DE" smtClean="0"/>
+              <a:t>26.09.2018</a:t>
+            </a:fld>
+            <a:endParaRPr lang="de-DE"/>
+          </a:p>
+        </p:txBody>
+      </p:sp>
+      <p:sp>
+        <p:nvSpPr>
+          <p:cNvPr id="5" name="Fußzeilenplatzhalter 4">
+            <a:extLst>
+              <a:ext uri="{FF2B5EF4-FFF2-40B4-BE49-F238E27FC236}">
+                <a16:creationId xmlns:a16="http://schemas.microsoft.com/office/drawing/2014/main" id="{8EA78228-F63B-4E04-B28D-942738CB7E6B}"/>
+              </a:ext>
+            </a:extLst>
+          </p:cNvPr>
+          <p:cNvSpPr>
+            <a:spLocks noGrp="1"/>
+          </p:cNvSpPr>
+          <p:nvPr>
+            <p:ph type="ftr" sz="quarter" idx="11"/>
+          </p:nvPr>
+        </p:nvSpPr>
+        <p:spPr/>
+        <p:txBody>
+          <a:bodyPr/>
+          <a:lstStyle/>
+          <a:p>
+            <a:r>
+              <a:rPr lang="en-US"/>
+              <a:t>Developing Multilingual Applications in WPF - Johannes Kolata</a:t>
+            </a:r>
+            <a:endParaRPr lang="de-DE"/>
+          </a:p>
+        </p:txBody>
+      </p:sp>
+      <p:sp>
+        <p:nvSpPr>
+          <p:cNvPr id="6" name="Foliennummernplatzhalter 5">
+            <a:extLst>
+              <a:ext uri="{FF2B5EF4-FFF2-40B4-BE49-F238E27FC236}">
+                <a16:creationId xmlns:a16="http://schemas.microsoft.com/office/drawing/2014/main" id="{8CE4CD0F-04C0-447F-A9BD-4B5638A138FB}"/>
+              </a:ext>
+            </a:extLst>
+          </p:cNvPr>
+          <p:cNvSpPr>
+            <a:spLocks noGrp="1"/>
+          </p:cNvSpPr>
+          <p:nvPr>
+            <p:ph type="sldNum" sz="quarter" idx="12"/>
+          </p:nvPr>
+        </p:nvSpPr>
+        <p:spPr/>
+        <p:txBody>
+          <a:bodyPr/>
+          <a:lstStyle/>
+          <a:p>
+            <a:fld id="{58CAACEB-2C49-4DBE-A548-363F7515F892}" type="slidenum">
+              <a:rPr lang="de-DE" smtClean="0"/>
+              <a:t>8</a:t>
+            </a:fld>
+            <a:endParaRPr lang="de-DE"/>
+          </a:p>
+        </p:txBody>
+      </p:sp>
+    </p:spTree>
+    <p:extLst>
+      <p:ext uri="{BB962C8B-B14F-4D97-AF65-F5344CB8AC3E}">
+        <p14:creationId xmlns:p14="http://schemas.microsoft.com/office/powerpoint/2010/main" val="4120535189"/>
+      </p:ext>
+    </p:extLst>
+  </p:cSld>
+  <p:clrMapOvr>
+    <a:masterClrMapping/>
+  </p:clrMapOvr>
+</p:sld>
+</file>
+
+<file path=ppt/slides/slide9.xml><?xml version="1.0" encoding="utf-8"?>
+<p:sld xmlns:a="http://schemas.openxmlformats.org/drawingml/2006/main" xmlns:r="http://schemas.openxmlformats.org/officeDocument/2006/relationships" xmlns:p="http://schemas.openxmlformats.org/presentationml/2006/main">
+  <p:cSld>
+    <p:spTree>
+      <p:nvGrpSpPr>
+        <p:cNvPr id="1" name=""/>
+        <p:cNvGrpSpPr/>
+        <p:nvPr/>
+      </p:nvGrpSpPr>
+      <p:grpSpPr>
+        <a:xfrm>
+          <a:off x="0" y="0"/>
+          <a:ext cx="0" cy="0"/>
+          <a:chOff x="0" y="0"/>
+          <a:chExt cx="0" cy="0"/>
+        </a:xfrm>
+      </p:grpSpPr>
+      <p:sp>
+        <p:nvSpPr>
+          <p:cNvPr id="2" name="Titel 1">
+            <a:extLst>
+              <a:ext uri="{FF2B5EF4-FFF2-40B4-BE49-F238E27FC236}">
                 <a16:creationId xmlns:a16="http://schemas.microsoft.com/office/drawing/2014/main" id="{57487DB4-1124-4239-8AB1-8172470E816B}"/>
               </a:ext>
             </a:extLst>
@@ -4750,6 +7816,93 @@
           </a:p>
           <a:p>
             <a:endParaRPr lang="de-DE" dirty="0"/>
+          </a:p>
+        </p:txBody>
+      </p:sp>
+      <p:sp>
+        <p:nvSpPr>
+          <p:cNvPr id="4" name="Foliennummernplatzhalter 3">
+            <a:extLst>
+              <a:ext uri="{FF2B5EF4-FFF2-40B4-BE49-F238E27FC236}">
+                <a16:creationId xmlns:a16="http://schemas.microsoft.com/office/drawing/2014/main" id="{BAFBAB2E-4A49-496F-9AD1-A2FD9EE964AD}"/>
+              </a:ext>
+            </a:extLst>
+          </p:cNvPr>
+          <p:cNvSpPr>
+            <a:spLocks noGrp="1"/>
+          </p:cNvSpPr>
+          <p:nvPr>
+            <p:ph type="sldNum" sz="quarter" idx="12"/>
+          </p:nvPr>
+        </p:nvSpPr>
+        <p:spPr/>
+        <p:txBody>
+          <a:bodyPr/>
+          <a:lstStyle/>
+          <a:p>
+            <a:fld id="{58CAACEB-2C49-4DBE-A548-363F7515F892}" type="slidenum">
+              <a:rPr lang="de-DE" smtClean="0"/>
+              <a:t>9</a:t>
+            </a:fld>
+            <a:endParaRPr lang="de-DE"/>
+          </a:p>
+        </p:txBody>
+      </p:sp>
+      <p:sp>
+        <p:nvSpPr>
+          <p:cNvPr id="5" name="Datumsplatzhalter 4">
+            <a:extLst>
+              <a:ext uri="{FF2B5EF4-FFF2-40B4-BE49-F238E27FC236}">
+                <a16:creationId xmlns:a16="http://schemas.microsoft.com/office/drawing/2014/main" id="{2EBF0B0E-87BF-4E65-8BE7-49A6B225AE56}"/>
+              </a:ext>
+            </a:extLst>
+          </p:cNvPr>
+          <p:cNvSpPr>
+            <a:spLocks noGrp="1"/>
+          </p:cNvSpPr>
+          <p:nvPr>
+            <p:ph type="dt" sz="half" idx="10"/>
+          </p:nvPr>
+        </p:nvSpPr>
+        <p:spPr/>
+        <p:txBody>
+          <a:bodyPr/>
+          <a:lstStyle/>
+          <a:p>
+            <a:fld id="{3C8CFD16-47D1-48F9-8549-4A051D1C877A}" type="datetime1">
+              <a:rPr lang="de-DE" smtClean="0"/>
+              <a:t>26.09.2018</a:t>
+            </a:fld>
+            <a:endParaRPr lang="de-DE"/>
+          </a:p>
+        </p:txBody>
+      </p:sp>
+      <p:sp>
+        <p:nvSpPr>
+          <p:cNvPr id="6" name="Fußzeilenplatzhalter 5">
+            <a:extLst>
+              <a:ext uri="{FF2B5EF4-FFF2-40B4-BE49-F238E27FC236}">
+                <a16:creationId xmlns:a16="http://schemas.microsoft.com/office/drawing/2014/main" id="{1321D249-1B72-495A-98D4-1EFDE3E03F8A}"/>
+              </a:ext>
+            </a:extLst>
+          </p:cNvPr>
+          <p:cNvSpPr>
+            <a:spLocks noGrp="1"/>
+          </p:cNvSpPr>
+          <p:nvPr>
+            <p:ph type="ftr" sz="quarter" idx="11"/>
+          </p:nvPr>
+        </p:nvSpPr>
+        <p:spPr/>
+        <p:txBody>
+          <a:bodyPr/>
+          <a:lstStyle/>
+          <a:p>
+            <a:r>
+              <a:rPr lang="en-US"/>
+              <a:t>Developing Multilingual Applications in WPF - Johannes Kolata</a:t>
+            </a:r>
+            <a:endParaRPr lang="de-DE"/>
           </a:p>
         </p:txBody>
       </p:sp>
@@ -5047,4 +8200,299 @@
     </a:ext>
   </a:extLst>
 </a:theme>
+</file>
+
+<file path=ppt/theme/theme2.xml><?xml version="1.0" encoding="utf-8"?>
+<a:theme xmlns:a="http://schemas.openxmlformats.org/drawingml/2006/main" name="Office">
+  <a:themeElements>
+    <a:clrScheme name="Office">
+      <a:dk1>
+        <a:sysClr val="windowText" lastClr="000000"/>
+      </a:dk1>
+      <a:lt1>
+        <a:sysClr val="window" lastClr="FFFFFF"/>
+      </a:lt1>
+      <a:dk2>
+        <a:srgbClr val="44546A"/>
+      </a:dk2>
+      <a:lt2>
+        <a:srgbClr val="E7E6E6"/>
+      </a:lt2>
+      <a:accent1>
+        <a:srgbClr val="4472C4"/>
+      </a:accent1>
+      <a:accent2>
+        <a:srgbClr val="ED7D31"/>
+      </a:accent2>
+      <a:accent3>
+        <a:srgbClr val="A5A5A5"/>
+      </a:accent3>
+      <a:accent4>
+        <a:srgbClr val="FFC000"/>
+      </a:accent4>
+      <a:accent5>
+        <a:srgbClr val="5B9BD5"/>
+      </a:accent5>
+      <a:accent6>
+        <a:srgbClr val="70AD47"/>
+      </a:accent6>
+      <a:hlink>
+        <a:srgbClr val="0563C1"/>
+      </a:hlink>
+      <a:folHlink>
+        <a:srgbClr val="954F72"/>
+      </a:folHlink>
+    </a:clrScheme>
+    <a:fontScheme name="Office">
+      <a:majorFont>
+        <a:latin typeface="Calibri Light" panose="020F0302020204030204"/>
+        <a:ea typeface=""/>
+        <a:cs typeface=""/>
+        <a:font script="Jpan" typeface="游ゴシック Light"/>
+        <a:font script="Hang" typeface="맑은 고딕"/>
+        <a:font script="Hans" typeface="等线 Light"/>
+        <a:font script="Hant" typeface="新細明體"/>
+        <a:font script="Arab" typeface="Times New Roman"/>
+        <a:font script="Hebr" typeface="Times New Roman"/>
+        <a:font script="Thai" typeface="Angsana New"/>
+        <a:font script="Ethi" typeface="Nyala"/>
+        <a:font script="Beng" typeface="Vrinda"/>
+        <a:font script="Gujr" typeface="Shruti"/>
+        <a:font script="Khmr" typeface="MoolBoran"/>
+        <a:font script="Knda" typeface="Tunga"/>
+        <a:font script="Guru" typeface="Raavi"/>
+        <a:font script="Cans" typeface="Euphemia"/>
+        <a:font script="Cher" typeface="Plantagenet Cherokee"/>
+        <a:font script="Yiii" typeface="Microsoft Yi Baiti"/>
+        <a:font script="Tibt" typeface="Microsoft Himalaya"/>
+        <a:font script="Thaa" typeface="MV Boli"/>
+        <a:font script="Deva" typeface="Mangal"/>
+        <a:font script="Telu" typeface="Gautami"/>
+        <a:font script="Taml" typeface="Latha"/>
+        <a:font script="Syrc" typeface="Estrangelo Edessa"/>
+        <a:font script="Orya" typeface="Kalinga"/>
+        <a:font script="Mlym" typeface="Kartika"/>
+        <a:font script="Laoo" typeface="DokChampa"/>
+        <a:font script="Sinh" typeface="Iskoola Pota"/>
+        <a:font script="Mong" typeface="Mongolian Baiti"/>
+        <a:font script="Viet" typeface="Times New Roman"/>
+        <a:font script="Uigh" typeface="Microsoft Uighur"/>
+        <a:font script="Geor" typeface="Sylfaen"/>
+        <a:font script="Armn" typeface="Arial"/>
+        <a:font script="Bugi" typeface="Leelawadee UI"/>
+        <a:font script="Bopo" typeface="Microsoft JhengHei"/>
+        <a:font script="Java" typeface="Javanese Text"/>
+        <a:font script="Lisu" typeface="Segoe UI"/>
+        <a:font script="Mymr" typeface="Myanmar Text"/>
+        <a:font script="Nkoo" typeface="Ebrima"/>
+        <a:font script="Olck" typeface="Nirmala UI"/>
+        <a:font script="Osma" typeface="Ebrima"/>
+        <a:font script="Phag" typeface="Phagspa"/>
+        <a:font script="Syrn" typeface="Estrangelo Edessa"/>
+        <a:font script="Syrj" typeface="Estrangelo Edessa"/>
+        <a:font script="Syre" typeface="Estrangelo Edessa"/>
+        <a:font script="Sora" typeface="Nirmala UI"/>
+        <a:font script="Tale" typeface="Microsoft Tai Le"/>
+        <a:font script="Talu" typeface="Microsoft New Tai Lue"/>
+        <a:font script="Tfng" typeface="Ebrima"/>
+      </a:majorFont>
+      <a:minorFont>
+        <a:latin typeface="Calibri" panose="020F0502020204030204"/>
+        <a:ea typeface=""/>
+        <a:cs typeface=""/>
+        <a:font script="Jpan" typeface="游ゴシック"/>
+        <a:font script="Hang" typeface="맑은 고딕"/>
+        <a:font script="Hans" typeface="等线"/>
+        <a:font script="Hant" typeface="新細明體"/>
+        <a:font script="Arab" typeface="Arial"/>
+        <a:font script="Hebr" typeface="Arial"/>
+        <a:font script="Thai" typeface="Cordia New"/>
+        <a:font script="Ethi" typeface="Nyala"/>
+        <a:font script="Beng" typeface="Vrinda"/>
+        <a:font script="Gujr" typeface="Shruti"/>
+        <a:font script="Khmr" typeface="DaunPenh"/>
+        <a:font script="Knda" typeface="Tunga"/>
+        <a:font script="Guru" typeface="Raavi"/>
+        <a:font script="Cans" typeface="Euphemia"/>
+        <a:font script="Cher" typeface="Plantagenet Cherokee"/>
+        <a:font script="Yiii" typeface="Microsoft Yi Baiti"/>
+        <a:font script="Tibt" typeface="Microsoft Himalaya"/>
+        <a:font script="Thaa" typeface="MV Boli"/>
+        <a:font script="Deva" typeface="Mangal"/>
+        <a:font script="Telu" typeface="Gautami"/>
+        <a:font script="Taml" typeface="Latha"/>
+        <a:font script="Syrc" typeface="Estrangelo Edessa"/>
+        <a:font script="Orya" typeface="Kalinga"/>
+        <a:font script="Mlym" typeface="Kartika"/>
+        <a:font script="Laoo" typeface="DokChampa"/>
+        <a:font script="Sinh" typeface="Iskoola Pota"/>
+        <a:font script="Mong" typeface="Mongolian Baiti"/>
+        <a:font script="Viet" typeface="Arial"/>
+        <a:font script="Uigh" typeface="Microsoft Uighur"/>
+        <a:font script="Geor" typeface="Sylfaen"/>
+        <a:font script="Armn" typeface="Arial"/>
+        <a:font script="Bugi" typeface="Leelawadee UI"/>
+        <a:font script="Bopo" typeface="Microsoft JhengHei"/>
+        <a:font script="Java" typeface="Javanese Text"/>
+        <a:font script="Lisu" typeface="Segoe UI"/>
+        <a:font script="Mymr" typeface="Myanmar Text"/>
+        <a:font script="Nkoo" typeface="Ebrima"/>
+        <a:font script="Olck" typeface="Nirmala UI"/>
+        <a:font script="Osma" typeface="Ebrima"/>
+        <a:font script="Phag" typeface="Phagspa"/>
+        <a:font script="Syrn" typeface="Estrangelo Edessa"/>
+        <a:font script="Syrj" typeface="Estrangelo Edessa"/>
+        <a:font script="Syre" typeface="Estrangelo Edessa"/>
+        <a:font script="Sora" typeface="Nirmala UI"/>
+        <a:font script="Tale" typeface="Microsoft Tai Le"/>
+        <a:font script="Talu" typeface="Microsoft New Tai Lue"/>
+        <a:font script="Tfng" typeface="Ebrima"/>
+      </a:minorFont>
+    </a:fontScheme>
+    <a:fmtScheme name="Office">
+      <a:fillStyleLst>
+        <a:solidFill>
+          <a:schemeClr val="phClr"/>
+        </a:solidFill>
+        <a:gradFill rotWithShape="1">
+          <a:gsLst>
+            <a:gs pos="0">
+              <a:schemeClr val="phClr">
+                <a:lumMod val="110000"/>
+                <a:satMod val="105000"/>
+                <a:tint val="67000"/>
+              </a:schemeClr>
+            </a:gs>
+            <a:gs pos="50000">
+              <a:schemeClr val="phClr">
+                <a:lumMod val="105000"/>
+                <a:satMod val="103000"/>
+                <a:tint val="73000"/>
+              </a:schemeClr>
+            </a:gs>
+            <a:gs pos="100000">
+              <a:schemeClr val="phClr">
+                <a:lumMod val="105000"/>
+                <a:satMod val="109000"/>
+                <a:tint val="81000"/>
+              </a:schemeClr>
+            </a:gs>
+          </a:gsLst>
+          <a:lin ang="5400000" scaled="0"/>
+        </a:gradFill>
+        <a:gradFill rotWithShape="1">
+          <a:gsLst>
+            <a:gs pos="0">
+              <a:schemeClr val="phClr">
+                <a:satMod val="103000"/>
+                <a:lumMod val="102000"/>
+                <a:tint val="94000"/>
+              </a:schemeClr>
+            </a:gs>
+            <a:gs pos="50000">
+              <a:schemeClr val="phClr">
+                <a:satMod val="110000"/>
+                <a:lumMod val="100000"/>
+                <a:shade val="100000"/>
+              </a:schemeClr>
+            </a:gs>
+            <a:gs pos="100000">
+              <a:schemeClr val="phClr">
+                <a:lumMod val="99000"/>
+                <a:satMod val="120000"/>
+                <a:shade val="78000"/>
+              </a:schemeClr>
+            </a:gs>
+          </a:gsLst>
+          <a:lin ang="5400000" scaled="0"/>
+        </a:gradFill>
+      </a:fillStyleLst>
+      <a:lnStyleLst>
+        <a:ln w="6350" cap="flat" cmpd="sng" algn="ctr">
+          <a:solidFill>
+            <a:schemeClr val="phClr"/>
+          </a:solidFill>
+          <a:prstDash val="solid"/>
+          <a:miter lim="800000"/>
+        </a:ln>
+        <a:ln w="12700" cap="flat" cmpd="sng" algn="ctr">
+          <a:solidFill>
+            <a:schemeClr val="phClr"/>
+          </a:solidFill>
+          <a:prstDash val="solid"/>
+          <a:miter lim="800000"/>
+        </a:ln>
+        <a:ln w="19050" cap="flat" cmpd="sng" algn="ctr">
+          <a:solidFill>
+            <a:schemeClr val="phClr"/>
+          </a:solidFill>
+          <a:prstDash val="solid"/>
+          <a:miter lim="800000"/>
+        </a:ln>
+      </a:lnStyleLst>
+      <a:effectStyleLst>
+        <a:effectStyle>
+          <a:effectLst/>
+        </a:effectStyle>
+        <a:effectStyle>
+          <a:effectLst/>
+        </a:effectStyle>
+        <a:effectStyle>
+          <a:effectLst>
+            <a:outerShdw blurRad="57150" dist="19050" dir="5400000" algn="ctr" rotWithShape="0">
+              <a:srgbClr val="000000">
+                <a:alpha val="63000"/>
+              </a:srgbClr>
+            </a:outerShdw>
+          </a:effectLst>
+        </a:effectStyle>
+      </a:effectStyleLst>
+      <a:bgFillStyleLst>
+        <a:solidFill>
+          <a:schemeClr val="phClr"/>
+        </a:solidFill>
+        <a:solidFill>
+          <a:schemeClr val="phClr">
+            <a:tint val="95000"/>
+            <a:satMod val="170000"/>
+          </a:schemeClr>
+        </a:solidFill>
+        <a:gradFill rotWithShape="1">
+          <a:gsLst>
+            <a:gs pos="0">
+              <a:schemeClr val="phClr">
+                <a:tint val="93000"/>
+                <a:satMod val="150000"/>
+                <a:shade val="98000"/>
+                <a:lumMod val="102000"/>
+              </a:schemeClr>
+            </a:gs>
+            <a:gs pos="50000">
+              <a:schemeClr val="phClr">
+                <a:tint val="98000"/>
+                <a:satMod val="130000"/>
+                <a:shade val="90000"/>
+                <a:lumMod val="103000"/>
+              </a:schemeClr>
+            </a:gs>
+            <a:gs pos="100000">
+              <a:schemeClr val="phClr">
+                <a:shade val="63000"/>
+                <a:satMod val="120000"/>
+              </a:schemeClr>
+            </a:gs>
+          </a:gsLst>
+          <a:lin ang="5400000" scaled="0"/>
+        </a:gradFill>
+      </a:bgFillStyleLst>
+    </a:fmtScheme>
+  </a:themeElements>
+  <a:objectDefaults/>
+  <a:extraClrSchemeLst/>
+  <a:extLst>
+    <a:ext uri="{05A4C25C-085E-4340-85A3-A5531E510DB2}">
+      <thm15:themeFamily xmlns:thm15="http://schemas.microsoft.com/office/thememl/2012/main" name="Office Theme" id="{62F939B6-93AF-4DB8-9C6B-D6C7DFDC589F}" vid="{4A3C46E8-61CC-4603-A589-7422A47A8E4A}"/>
+    </a:ext>
+  </a:extLst>
+</a:theme>
 </file>
--- a/20180926/Developing multilingual Applikations in WPF.pptx
+++ b/20180926/Developing multilingual Applikations in WPF.pptx
@@ -115,6 +115,11 @@
       </a:defRPr>
     </a:lvl9pPr>
   </p:defaultTextStyle>
+  <p:extLst>
+    <p:ext uri="{EFAFB233-063F-42B5-8137-9DF3F51BA10A}">
+      <p15:sldGuideLst xmlns:p15="http://schemas.microsoft.com/office/powerpoint/2012/main"/>
+    </p:ext>
+  </p:extLst>
 </p:presentation>
 </file>
 
@@ -358,7 +363,7 @@
           <a:p>
             <a:fld id="{BBFB4024-99F3-4F77-A079-229D1028FE9F}" type="slidenum">
               <a:rPr lang="de-DE" smtClean="0"/>
-              <a:t>‹Nr.›</a:t>
+              <a:t>‹#›</a:t>
             </a:fld>
             <a:endParaRPr lang="de-DE"/>
           </a:p>
@@ -741,7 +746,7 @@
           <a:p>
             <a:fld id="{58CAACEB-2C49-4DBE-A548-363F7515F892}" type="slidenum">
               <a:rPr lang="de-DE" smtClean="0"/>
-              <a:t>‹Nr.›</a:t>
+              <a:t>‹#›</a:t>
             </a:fld>
             <a:endParaRPr lang="de-DE"/>
           </a:p>
@@ -953,7 +958,7 @@
           <a:p>
             <a:fld id="{58CAACEB-2C49-4DBE-A548-363F7515F892}" type="slidenum">
               <a:rPr lang="de-DE" smtClean="0"/>
-              <a:t>‹Nr.›</a:t>
+              <a:t>‹#›</a:t>
             </a:fld>
             <a:endParaRPr lang="de-DE"/>
           </a:p>
@@ -1215,7 +1220,7 @@
           <a:p>
             <a:fld id="{58CAACEB-2C49-4DBE-A548-363F7515F892}" type="slidenum">
               <a:rPr lang="de-DE" smtClean="0"/>
-              <a:t>‹Nr.›</a:t>
+              <a:t>‹#›</a:t>
             </a:fld>
             <a:endParaRPr lang="de-DE"/>
           </a:p>
@@ -1389,7 +1394,7 @@
           <a:p>
             <a:fld id="{58CAACEB-2C49-4DBE-A548-363F7515F892}" type="slidenum">
               <a:rPr lang="de-DE" smtClean="0"/>
-              <a:t>‹Nr.›</a:t>
+              <a:t>‹#›</a:t>
             </a:fld>
             <a:endParaRPr lang="de-DE"/>
           </a:p>
@@ -1730,7 +1735,7 @@
           <a:p>
             <a:fld id="{58CAACEB-2C49-4DBE-A548-363F7515F892}" type="slidenum">
               <a:rPr lang="de-DE" smtClean="0"/>
-              <a:t>‹Nr.›</a:t>
+              <a:t>‹#›</a:t>
             </a:fld>
             <a:endParaRPr lang="de-DE"/>
           </a:p>
@@ -2009,7 +2014,7 @@
           <a:p>
             <a:fld id="{58CAACEB-2C49-4DBE-A548-363F7515F892}" type="slidenum">
               <a:rPr lang="de-DE" smtClean="0"/>
-              <a:t>‹Nr.›</a:t>
+              <a:t>‹#›</a:t>
             </a:fld>
             <a:endParaRPr lang="de-DE"/>
           </a:p>
@@ -2392,7 +2397,7 @@
           <a:p>
             <a:fld id="{58CAACEB-2C49-4DBE-A548-363F7515F892}" type="slidenum">
               <a:rPr lang="de-DE" smtClean="0"/>
-              <a:t>‹Nr.›</a:t>
+              <a:t>‹#›</a:t>
             </a:fld>
             <a:endParaRPr lang="de-DE"/>
           </a:p>
@@ -2514,7 +2519,7 @@
           <a:p>
             <a:fld id="{58CAACEB-2C49-4DBE-A548-363F7515F892}" type="slidenum">
               <a:rPr lang="de-DE" smtClean="0"/>
-              <a:t>‹Nr.›</a:t>
+              <a:t>‹#›</a:t>
             </a:fld>
             <a:endParaRPr lang="de-DE"/>
           </a:p>
@@ -2699,7 +2704,7 @@
           <a:p>
             <a:fld id="{58CAACEB-2C49-4DBE-A548-363F7515F892}" type="slidenum">
               <a:rPr lang="de-DE" smtClean="0"/>
-              <a:t>‹Nr.›</a:t>
+              <a:t>‹#›</a:t>
             </a:fld>
             <a:endParaRPr lang="de-DE"/>
           </a:p>
@@ -3072,7 +3077,7 @@
           <a:p>
             <a:fld id="{58CAACEB-2C49-4DBE-A548-363F7515F892}" type="slidenum">
               <a:rPr lang="de-DE" smtClean="0"/>
-              <a:t>‹Nr.›</a:t>
+              <a:t>‹#›</a:t>
             </a:fld>
             <a:endParaRPr lang="de-DE"/>
           </a:p>
@@ -3434,7 +3439,7 @@
           <a:p>
             <a:fld id="{58CAACEB-2C49-4DBE-A548-363F7515F892}" type="slidenum">
               <a:rPr lang="de-DE" smtClean="0"/>
-              <a:t>‹Nr.›</a:t>
+              <a:t>‹#›</a:t>
             </a:fld>
             <a:endParaRPr lang="de-DE"/>
           </a:p>
@@ -3759,7 +3764,7 @@
           <a:p>
             <a:fld id="{58CAACEB-2C49-4DBE-A548-363F7515F892}" type="slidenum">
               <a:rPr lang="de-DE" smtClean="0"/>
-              <a:t>‹Nr.›</a:t>
+              <a:t>‹#›</a:t>
             </a:fld>
             <a:endParaRPr lang="de-DE"/>
           </a:p>
@@ -4390,7 +4395,12 @@
             <p:ph type="title"/>
           </p:nvPr>
         </p:nvSpPr>
-        <p:spPr/>
+        <p:spPr>
+          <a:xfrm>
+            <a:off x="1097280" y="286603"/>
+            <a:ext cx="4998720" cy="1450757"/>
+          </a:xfrm>
+        </p:spPr>
         <p:txBody>
           <a:bodyPr/>
           <a:lstStyle/>
@@ -4418,7 +4428,12 @@
             <p:ph idx="1"/>
           </p:nvPr>
         </p:nvSpPr>
-        <p:spPr/>
+        <p:spPr>
+          <a:xfrm>
+            <a:off x="1097280" y="1845734"/>
+            <a:ext cx="4998720" cy="4023360"/>
+          </a:xfrm>
+        </p:spPr>
         <p:txBody>
           <a:bodyPr/>
           <a:lstStyle/>
@@ -4547,6 +4562,386 @@
               <a:t>Developing Multilingual Applications in WPF - Johannes Kolata</a:t>
             </a:r>
             <a:endParaRPr lang="de-DE"/>
+          </a:p>
+        </p:txBody>
+      </p:sp>
+      <p:sp>
+        <p:nvSpPr>
+          <p:cNvPr id="7" name="Titel 1">
+            <a:extLst>
+              <a:ext uri="{FF2B5EF4-FFF2-40B4-BE49-F238E27FC236}">
+                <a16:creationId xmlns:a16="http://schemas.microsoft.com/office/drawing/2014/main" id="{9F871A8B-0F86-47E9-B9FD-C28A83C32E31}"/>
+              </a:ext>
+            </a:extLst>
+          </p:cNvPr>
+          <p:cNvSpPr txBox="1">
+            <a:spLocks/>
+          </p:cNvSpPr>
+          <p:nvPr/>
+        </p:nvSpPr>
+        <p:spPr>
+          <a:xfrm>
+            <a:off x="6096000" y="286603"/>
+            <a:ext cx="4998720" cy="1450757"/>
+          </a:xfrm>
+          <a:prstGeom prst="rect">
+            <a:avLst/>
+          </a:prstGeom>
+          <a:scene3d>
+            <a:camera prst="orthographicFront">
+              <a:rot lat="0" lon="0" rev="0"/>
+            </a:camera>
+            <a:lightRig rig="threePt" dir="t"/>
+          </a:scene3d>
+        </p:spPr>
+        <p:txBody>
+          <a:bodyPr vert="horz" lIns="91440" tIns="45720" rIns="91440" bIns="45720" rtlCol="0" anchor="b">
+            <a:normAutofit/>
+          </a:bodyPr>
+          <a:lstStyle>
+            <a:lvl1pPr algn="l" defTabSz="914400" rtl="0" eaLnBrk="1" latinLnBrk="0" hangingPunct="1">
+              <a:lnSpc>
+                <a:spcPct val="85000"/>
+              </a:lnSpc>
+              <a:spcBef>
+                <a:spcPct val="0"/>
+              </a:spcBef>
+              <a:buNone/>
+              <a:defRPr sz="4800" kern="1200" spc="-50" baseline="0">
+                <a:solidFill>
+                  <a:schemeClr val="tx1">
+                    <a:lumMod val="75000"/>
+                    <a:lumOff val="25000"/>
+                  </a:schemeClr>
+                </a:solidFill>
+                <a:latin typeface="+mj-lt"/>
+                <a:ea typeface="+mj-ea"/>
+                <a:cs typeface="+mj-cs"/>
+              </a:defRPr>
+            </a:lvl1pPr>
+          </a:lstStyle>
+          <a:p>
+            <a:pPr algn="r"/>
+            <a:r>
+              <a:rPr lang="de-DE" dirty="0"/>
+              <a:t>Agenda</a:t>
+            </a:r>
+          </a:p>
+        </p:txBody>
+      </p:sp>
+      <p:sp>
+        <p:nvSpPr>
+          <p:cNvPr id="8" name="Inhaltsplatzhalter 2">
+            <a:extLst>
+              <a:ext uri="{FF2B5EF4-FFF2-40B4-BE49-F238E27FC236}">
+                <a16:creationId xmlns:a16="http://schemas.microsoft.com/office/drawing/2014/main" id="{84D2E3A3-F257-4E1A-8CB3-956EFECED5AA}"/>
+              </a:ext>
+            </a:extLst>
+          </p:cNvPr>
+          <p:cNvSpPr txBox="1">
+            <a:spLocks/>
+          </p:cNvSpPr>
+          <p:nvPr/>
+        </p:nvSpPr>
+        <p:spPr>
+          <a:xfrm>
+            <a:off x="6096000" y="1845734"/>
+            <a:ext cx="4998720" cy="4023360"/>
+          </a:xfrm>
+          <a:prstGeom prst="rect">
+            <a:avLst/>
+          </a:prstGeom>
+          <a:scene3d>
+            <a:camera prst="orthographicFront">
+              <a:rot lat="0" lon="0" rev="0"/>
+            </a:camera>
+            <a:lightRig rig="threePt" dir="t"/>
+          </a:scene3d>
+        </p:spPr>
+        <p:txBody>
+          <a:bodyPr vert="horz" lIns="0" tIns="45720" rIns="0" bIns="45720" rtlCol="0">
+            <a:normAutofit/>
+          </a:bodyPr>
+          <a:lstStyle>
+            <a:lvl1pPr marL="91440" indent="-91440" algn="l" defTabSz="914400" rtl="0" eaLnBrk="1" latinLnBrk="0" hangingPunct="1">
+              <a:lnSpc>
+                <a:spcPct val="90000"/>
+              </a:lnSpc>
+              <a:spcBef>
+                <a:spcPts val="1200"/>
+              </a:spcBef>
+              <a:spcAft>
+                <a:spcPts val="200"/>
+              </a:spcAft>
+              <a:buClr>
+                <a:schemeClr val="accent1"/>
+              </a:buClr>
+              <a:buSzPct val="100000"/>
+              <a:buFont typeface="Calibri" panose="020F0502020204030204" pitchFamily="34" charset="0"/>
+              <a:buChar char=" "/>
+              <a:defRPr sz="2000" kern="1200">
+                <a:solidFill>
+                  <a:schemeClr val="tx1">
+                    <a:lumMod val="75000"/>
+                    <a:lumOff val="25000"/>
+                  </a:schemeClr>
+                </a:solidFill>
+                <a:latin typeface="+mn-lt"/>
+                <a:ea typeface="+mn-ea"/>
+                <a:cs typeface="+mn-cs"/>
+              </a:defRPr>
+            </a:lvl1pPr>
+            <a:lvl2pPr marL="384048" indent="-182880" algn="l" defTabSz="914400" rtl="0" eaLnBrk="1" latinLnBrk="0" hangingPunct="1">
+              <a:lnSpc>
+                <a:spcPct val="90000"/>
+              </a:lnSpc>
+              <a:spcBef>
+                <a:spcPts val="200"/>
+              </a:spcBef>
+              <a:spcAft>
+                <a:spcPts val="400"/>
+              </a:spcAft>
+              <a:buClr>
+                <a:schemeClr val="accent1"/>
+              </a:buClr>
+              <a:buFont typeface="Calibri" pitchFamily="34" charset="0"/>
+              <a:buChar char="◦"/>
+              <a:defRPr sz="1800" kern="1200">
+                <a:solidFill>
+                  <a:schemeClr val="tx1">
+                    <a:lumMod val="75000"/>
+                    <a:lumOff val="25000"/>
+                  </a:schemeClr>
+                </a:solidFill>
+                <a:latin typeface="+mn-lt"/>
+                <a:ea typeface="+mn-ea"/>
+                <a:cs typeface="+mn-cs"/>
+              </a:defRPr>
+            </a:lvl2pPr>
+            <a:lvl3pPr marL="566928" indent="-182880" algn="l" defTabSz="914400" rtl="0" eaLnBrk="1" latinLnBrk="0" hangingPunct="1">
+              <a:lnSpc>
+                <a:spcPct val="90000"/>
+              </a:lnSpc>
+              <a:spcBef>
+                <a:spcPts val="200"/>
+              </a:spcBef>
+              <a:spcAft>
+                <a:spcPts val="400"/>
+              </a:spcAft>
+              <a:buClr>
+                <a:schemeClr val="accent1"/>
+              </a:buClr>
+              <a:buFont typeface="Calibri" pitchFamily="34" charset="0"/>
+              <a:buChar char="◦"/>
+              <a:defRPr sz="1400" kern="1200">
+                <a:solidFill>
+                  <a:schemeClr val="tx1">
+                    <a:lumMod val="75000"/>
+                    <a:lumOff val="25000"/>
+                  </a:schemeClr>
+                </a:solidFill>
+                <a:latin typeface="+mn-lt"/>
+                <a:ea typeface="+mn-ea"/>
+                <a:cs typeface="+mn-cs"/>
+              </a:defRPr>
+            </a:lvl3pPr>
+            <a:lvl4pPr marL="749808" indent="-182880" algn="l" defTabSz="914400" rtl="0" eaLnBrk="1" latinLnBrk="0" hangingPunct="1">
+              <a:lnSpc>
+                <a:spcPct val="90000"/>
+              </a:lnSpc>
+              <a:spcBef>
+                <a:spcPts val="200"/>
+              </a:spcBef>
+              <a:spcAft>
+                <a:spcPts val="400"/>
+              </a:spcAft>
+              <a:buClr>
+                <a:schemeClr val="accent1"/>
+              </a:buClr>
+              <a:buFont typeface="Calibri" pitchFamily="34" charset="0"/>
+              <a:buChar char="◦"/>
+              <a:defRPr sz="1400" kern="1200">
+                <a:solidFill>
+                  <a:schemeClr val="tx1">
+                    <a:lumMod val="75000"/>
+                    <a:lumOff val="25000"/>
+                  </a:schemeClr>
+                </a:solidFill>
+                <a:latin typeface="+mn-lt"/>
+                <a:ea typeface="+mn-ea"/>
+                <a:cs typeface="+mn-cs"/>
+              </a:defRPr>
+            </a:lvl4pPr>
+            <a:lvl5pPr marL="932688" indent="-182880" algn="l" defTabSz="914400" rtl="0" eaLnBrk="1" latinLnBrk="0" hangingPunct="1">
+              <a:lnSpc>
+                <a:spcPct val="90000"/>
+              </a:lnSpc>
+              <a:spcBef>
+                <a:spcPts val="200"/>
+              </a:spcBef>
+              <a:spcAft>
+                <a:spcPts val="400"/>
+              </a:spcAft>
+              <a:buClr>
+                <a:schemeClr val="accent1"/>
+              </a:buClr>
+              <a:buFont typeface="Calibri" pitchFamily="34" charset="0"/>
+              <a:buChar char="◦"/>
+              <a:defRPr sz="1400" kern="1200">
+                <a:solidFill>
+                  <a:schemeClr val="tx1">
+                    <a:lumMod val="75000"/>
+                    <a:lumOff val="25000"/>
+                  </a:schemeClr>
+                </a:solidFill>
+                <a:latin typeface="+mn-lt"/>
+                <a:ea typeface="+mn-ea"/>
+                <a:cs typeface="+mn-cs"/>
+              </a:defRPr>
+            </a:lvl5pPr>
+            <a:lvl6pPr marL="1100000" indent="-228600" algn="l" defTabSz="914400" rtl="0" eaLnBrk="1" latinLnBrk="0" hangingPunct="1">
+              <a:lnSpc>
+                <a:spcPct val="90000"/>
+              </a:lnSpc>
+              <a:spcBef>
+                <a:spcPts val="200"/>
+              </a:spcBef>
+              <a:spcAft>
+                <a:spcPts val="400"/>
+              </a:spcAft>
+              <a:buClr>
+                <a:schemeClr val="accent1"/>
+              </a:buClr>
+              <a:buFont typeface="Calibri" pitchFamily="34" charset="0"/>
+              <a:buChar char="◦"/>
+              <a:defRPr sz="1400" kern="1200">
+                <a:solidFill>
+                  <a:schemeClr val="tx1">
+                    <a:lumMod val="75000"/>
+                    <a:lumOff val="25000"/>
+                  </a:schemeClr>
+                </a:solidFill>
+                <a:latin typeface="+mn-lt"/>
+                <a:ea typeface="+mn-ea"/>
+                <a:cs typeface="+mn-cs"/>
+              </a:defRPr>
+            </a:lvl6pPr>
+            <a:lvl7pPr marL="1300000" indent="-228600" algn="l" defTabSz="914400" rtl="0" eaLnBrk="1" latinLnBrk="0" hangingPunct="1">
+              <a:lnSpc>
+                <a:spcPct val="90000"/>
+              </a:lnSpc>
+              <a:spcBef>
+                <a:spcPts val="200"/>
+              </a:spcBef>
+              <a:spcAft>
+                <a:spcPts val="400"/>
+              </a:spcAft>
+              <a:buClr>
+                <a:schemeClr val="accent1"/>
+              </a:buClr>
+              <a:buFont typeface="Calibri" pitchFamily="34" charset="0"/>
+              <a:buChar char="◦"/>
+              <a:defRPr sz="1400" kern="1200">
+                <a:solidFill>
+                  <a:schemeClr val="tx1">
+                    <a:lumMod val="75000"/>
+                    <a:lumOff val="25000"/>
+                  </a:schemeClr>
+                </a:solidFill>
+                <a:latin typeface="+mn-lt"/>
+                <a:ea typeface="+mn-ea"/>
+                <a:cs typeface="+mn-cs"/>
+              </a:defRPr>
+            </a:lvl7pPr>
+            <a:lvl8pPr marL="1500000" indent="-228600" algn="l" defTabSz="914400" rtl="0" eaLnBrk="1" latinLnBrk="0" hangingPunct="1">
+              <a:lnSpc>
+                <a:spcPct val="90000"/>
+              </a:lnSpc>
+              <a:spcBef>
+                <a:spcPts val="200"/>
+              </a:spcBef>
+              <a:spcAft>
+                <a:spcPts val="400"/>
+              </a:spcAft>
+              <a:buClr>
+                <a:schemeClr val="accent1"/>
+              </a:buClr>
+              <a:buFont typeface="Calibri" pitchFamily="34" charset="0"/>
+              <a:buChar char="◦"/>
+              <a:defRPr sz="1400" kern="1200">
+                <a:solidFill>
+                  <a:schemeClr val="tx1">
+                    <a:lumMod val="75000"/>
+                    <a:lumOff val="25000"/>
+                  </a:schemeClr>
+                </a:solidFill>
+                <a:latin typeface="+mn-lt"/>
+                <a:ea typeface="+mn-ea"/>
+                <a:cs typeface="+mn-cs"/>
+              </a:defRPr>
+            </a:lvl8pPr>
+            <a:lvl9pPr marL="1700000" indent="-228600" algn="l" defTabSz="914400" rtl="0" eaLnBrk="1" latinLnBrk="0" hangingPunct="1">
+              <a:lnSpc>
+                <a:spcPct val="90000"/>
+              </a:lnSpc>
+              <a:spcBef>
+                <a:spcPts val="200"/>
+              </a:spcBef>
+              <a:spcAft>
+                <a:spcPts val="400"/>
+              </a:spcAft>
+              <a:buClr>
+                <a:schemeClr val="accent1"/>
+              </a:buClr>
+              <a:buFont typeface="Calibri" pitchFamily="34" charset="0"/>
+              <a:buChar char="◦"/>
+              <a:defRPr sz="1400" kern="1200">
+                <a:solidFill>
+                  <a:schemeClr val="tx1">
+                    <a:lumMod val="75000"/>
+                    <a:lumOff val="25000"/>
+                  </a:schemeClr>
+                </a:solidFill>
+                <a:latin typeface="+mn-lt"/>
+                <a:ea typeface="+mn-ea"/>
+                <a:cs typeface="+mn-cs"/>
+              </a:defRPr>
+            </a:lvl9pPr>
+          </a:lstStyle>
+          <a:p>
+            <a:pPr algn="r"/>
+            <a:r>
+              <a:rPr lang="de-DE" dirty="0"/>
+              <a:t>Why Multilingual?</a:t>
+            </a:r>
+          </a:p>
+          <a:p>
+            <a:pPr algn="r"/>
+            <a:r>
+              <a:rPr lang="de-DE" dirty="0"/>
+              <a:t>What are the possibilities?</a:t>
+            </a:r>
+          </a:p>
+          <a:p>
+            <a:pPr algn="r"/>
+            <a:r>
+              <a:rPr lang="de-DE" dirty="0"/>
+              <a:t>Resource Dictionaries</a:t>
+            </a:r>
+          </a:p>
+          <a:p>
+            <a:pPr algn="r"/>
+            <a:r>
+              <a:rPr lang="de-DE" dirty="0"/>
+              <a:t>Demo</a:t>
+            </a:r>
+          </a:p>
+          <a:p>
+            <a:pPr algn="r"/>
+            <a:r>
+              <a:rPr lang="de-DE" dirty="0"/>
+              <a:t>Questions</a:t>
+            </a:r>
           </a:p>
         </p:txBody>
       </p:sp>
@@ -4813,6 +5208,251 @@
                       </p:childTnLst>
                     </p:cTn>
                   </p:par>
+                  <p:par>
+                    <p:cTn id="23" fill="hold">
+                      <p:stCondLst>
+                        <p:cond delay="indefinite"/>
+                      </p:stCondLst>
+                      <p:childTnLst>
+                        <p:par>
+                          <p:cTn id="24" fill="hold">
+                            <p:stCondLst>
+                              <p:cond delay="0"/>
+                            </p:stCondLst>
+                            <p:childTnLst>
+                              <p:par>
+                                <p:cTn id="25" presetID="1" presetClass="entr" presetSubtype="0" fill="hold" grpId="0" nodeType="clickEffect">
+                                  <p:stCondLst>
+                                    <p:cond delay="0"/>
+                                  </p:stCondLst>
+                                  <p:childTnLst>
+                                    <p:set>
+                                      <p:cBhvr>
+                                        <p:cTn id="26" dur="1" fill="hold">
+                                          <p:stCondLst>
+                                            <p:cond delay="0"/>
+                                          </p:stCondLst>
+                                        </p:cTn>
+                                        <p:tgtEl>
+                                          <p:spTgt spid="8">
+                                            <p:txEl>
+                                              <p:pRg st="0" end="0"/>
+                                            </p:txEl>
+                                          </p:spTgt>
+                                        </p:tgtEl>
+                                        <p:attrNameLst>
+                                          <p:attrName>style.visibility</p:attrName>
+                                        </p:attrNameLst>
+                                      </p:cBhvr>
+                                      <p:to>
+                                        <p:strVal val="visible"/>
+                                      </p:to>
+                                    </p:set>
+                                  </p:childTnLst>
+                                </p:cTn>
+                              </p:par>
+                            </p:childTnLst>
+                          </p:cTn>
+                        </p:par>
+                      </p:childTnLst>
+                    </p:cTn>
+                  </p:par>
+                  <p:par>
+                    <p:cTn id="27" fill="hold">
+                      <p:stCondLst>
+                        <p:cond delay="indefinite"/>
+                      </p:stCondLst>
+                      <p:childTnLst>
+                        <p:par>
+                          <p:cTn id="28" fill="hold">
+                            <p:stCondLst>
+                              <p:cond delay="0"/>
+                            </p:stCondLst>
+                            <p:childTnLst>
+                              <p:par>
+                                <p:cTn id="29" presetID="1" presetClass="entr" presetSubtype="0" fill="hold" grpId="0" nodeType="clickEffect">
+                                  <p:stCondLst>
+                                    <p:cond delay="0"/>
+                                  </p:stCondLst>
+                                  <p:childTnLst>
+                                    <p:set>
+                                      <p:cBhvr>
+                                        <p:cTn id="30" dur="1" fill="hold">
+                                          <p:stCondLst>
+                                            <p:cond delay="0"/>
+                                          </p:stCondLst>
+                                        </p:cTn>
+                                        <p:tgtEl>
+                                          <p:spTgt spid="8">
+                                            <p:txEl>
+                                              <p:pRg st="1" end="1"/>
+                                            </p:txEl>
+                                          </p:spTgt>
+                                        </p:tgtEl>
+                                        <p:attrNameLst>
+                                          <p:attrName>style.visibility</p:attrName>
+                                        </p:attrNameLst>
+                                      </p:cBhvr>
+                                      <p:to>
+                                        <p:strVal val="visible"/>
+                                      </p:to>
+                                    </p:set>
+                                  </p:childTnLst>
+                                </p:cTn>
+                              </p:par>
+                            </p:childTnLst>
+                          </p:cTn>
+                        </p:par>
+                      </p:childTnLst>
+                    </p:cTn>
+                  </p:par>
+                  <p:par>
+                    <p:cTn id="31" fill="hold">
+                      <p:stCondLst>
+                        <p:cond delay="indefinite"/>
+                      </p:stCondLst>
+                      <p:childTnLst>
+                        <p:par>
+                          <p:cTn id="32" fill="hold">
+                            <p:stCondLst>
+                              <p:cond delay="0"/>
+                            </p:stCondLst>
+                            <p:childTnLst>
+                              <p:par>
+                                <p:cTn id="33" presetID="1" presetClass="entr" presetSubtype="0" fill="hold" grpId="0" nodeType="clickEffect">
+                                  <p:stCondLst>
+                                    <p:cond delay="0"/>
+                                  </p:stCondLst>
+                                  <p:childTnLst>
+                                    <p:set>
+                                      <p:cBhvr>
+                                        <p:cTn id="34" dur="1" fill="hold">
+                                          <p:stCondLst>
+                                            <p:cond delay="0"/>
+                                          </p:stCondLst>
+                                        </p:cTn>
+                                        <p:tgtEl>
+                                          <p:spTgt spid="8">
+                                            <p:txEl>
+                                              <p:pRg st="2" end="2"/>
+                                            </p:txEl>
+                                          </p:spTgt>
+                                        </p:tgtEl>
+                                        <p:attrNameLst>
+                                          <p:attrName>style.visibility</p:attrName>
+                                        </p:attrNameLst>
+                                      </p:cBhvr>
+                                      <p:to>
+                                        <p:strVal val="visible"/>
+                                      </p:to>
+                                    </p:set>
+                                  </p:childTnLst>
+                                </p:cTn>
+                              </p:par>
+                            </p:childTnLst>
+                          </p:cTn>
+                        </p:par>
+                      </p:childTnLst>
+                    </p:cTn>
+                  </p:par>
+                  <p:par>
+                    <p:cTn id="35" fill="hold">
+                      <p:stCondLst>
+                        <p:cond delay="indefinite"/>
+                      </p:stCondLst>
+                      <p:childTnLst>
+                        <p:par>
+                          <p:cTn id="36" fill="hold">
+                            <p:stCondLst>
+                              <p:cond delay="0"/>
+                            </p:stCondLst>
+                            <p:childTnLst>
+                              <p:par>
+                                <p:cTn id="37" presetID="1" presetClass="entr" presetSubtype="0" fill="hold" grpId="0" nodeType="clickEffect">
+                                  <p:stCondLst>
+                                    <p:cond delay="0"/>
+                                  </p:stCondLst>
+                                  <p:childTnLst>
+                                    <p:set>
+                                      <p:cBhvr>
+                                        <p:cTn id="38" dur="1" fill="hold">
+                                          <p:stCondLst>
+                                            <p:cond delay="0"/>
+                                          </p:stCondLst>
+                                        </p:cTn>
+                                        <p:tgtEl>
+                                          <p:spTgt spid="8">
+                                            <p:txEl>
+                                              <p:pRg st="3" end="3"/>
+                                            </p:txEl>
+                                          </p:spTgt>
+                                        </p:tgtEl>
+                                        <p:attrNameLst>
+                                          <p:attrName>style.visibility</p:attrName>
+                                        </p:attrNameLst>
+                                      </p:cBhvr>
+                                      <p:to>
+                                        <p:strVal val="visible"/>
+                                      </p:to>
+                                    </p:set>
+                                  </p:childTnLst>
+                                </p:cTn>
+                              </p:par>
+                            </p:childTnLst>
+                          </p:cTn>
+                        </p:par>
+                      </p:childTnLst>
+                    </p:cTn>
+                  </p:par>
+                  <p:par>
+                    <p:cTn id="39" fill="hold">
+                      <p:stCondLst>
+                        <p:cond delay="indefinite"/>
+                      </p:stCondLst>
+                      <p:childTnLst>
+                        <p:par>
+                          <p:cTn id="40" fill="hold">
+                            <p:stCondLst>
+                              <p:cond delay="0"/>
+                            </p:stCondLst>
+                            <p:childTnLst>
+                              <p:par>
+                                <p:cTn id="41" presetID="1" presetClass="entr" presetSubtype="0" fill="hold" grpId="0" nodeType="clickEffect">
+                                  <p:stCondLst>
+                                    <p:cond delay="0"/>
+                                  </p:stCondLst>
+                                  <p:childTnLst>
+                                    <p:set>
+                                      <p:cBhvr>
+                                        <p:cTn id="42" dur="1" fill="hold">
+                                          <p:stCondLst>
+                                            <p:cond delay="0"/>
+                                          </p:stCondLst>
+                                        </p:cTn>
+                                        <p:tgtEl>
+                                          <p:spTgt spid="8">
+                                            <p:txEl>
+                                              <p:pRg st="4" end="4"/>
+                                            </p:txEl>
+                                          </p:spTgt>
+                                        </p:tgtEl>
+                                        <p:attrNameLst>
+                                          <p:attrName>style.visibility</p:attrName>
+                                        </p:attrNameLst>
+                                      </p:cBhvr>
+                                      <p:to>
+                                        <p:strVal val="visible"/>
+                                      </p:to>
+                                    </p:set>
+                                  </p:childTnLst>
+                                </p:cTn>
+                              </p:par>
+                            </p:childTnLst>
+                          </p:cTn>
+                        </p:par>
+                      </p:childTnLst>
+                    </p:cTn>
+                  </p:par>
                 </p:childTnLst>
               </p:cTn>
               <p:prevCondLst>
@@ -4836,6 +5476,7 @@
     </p:tnLst>
     <p:bldLst>
       <p:bldP spid="3" grpId="0" build="p"/>
+      <p:bldP spid="8" grpId="0" build="p"/>
     </p:bldLst>
   </p:timing>
 </p:sld>
@@ -5528,7 +6169,13 @@
           <a:p>
             <a:r>
               <a:rPr lang="de-DE" dirty="0"/>
-              <a:t>+</a:t>
+              <a:t>+ relativ einfach zu verwenden</a:t>
+            </a:r>
+          </a:p>
+          <a:p>
+            <a:r>
+              <a:rPr lang="de-DE" dirty="0"/>
+              <a:t>+ IDE Support</a:t>
             </a:r>
           </a:p>
           <a:p>
@@ -5543,7 +6190,13 @@
           <a:p>
             <a:r>
               <a:rPr lang="de-DE" dirty="0"/>
-              <a:t>-</a:t>
+              <a:t>- Kann zu Problemen beim Signieren führen  </a:t>
+            </a:r>
+          </a:p>
+          <a:p>
+            <a:r>
+              <a:rPr lang="de-DE" dirty="0"/>
+              <a:t>- Pro Thread umzustellen </a:t>
             </a:r>
           </a:p>
         </p:txBody>
@@ -6171,7 +6824,7 @@
                                         <p:tgtEl>
                                           <p:spTgt spid="7">
                                             <p:txEl>
-                                              <p:pRg st="3" end="3"/>
+                                              <p:pRg st="2" end="2"/>
                                             </p:txEl>
                                           </p:spTgt>
                                         </p:tgtEl>
@@ -6241,6 +6894,104 @@
                       </p:childTnLst>
                     </p:cTn>
                   </p:par>
+                  <p:par>
+                    <p:cTn id="51" fill="hold">
+                      <p:stCondLst>
+                        <p:cond delay="indefinite"/>
+                      </p:stCondLst>
+                      <p:childTnLst>
+                        <p:par>
+                          <p:cTn id="52" fill="hold">
+                            <p:stCondLst>
+                              <p:cond delay="0"/>
+                            </p:stCondLst>
+                            <p:childTnLst>
+                              <p:par>
+                                <p:cTn id="53" presetID="1" presetClass="entr" presetSubtype="0" fill="hold" grpId="0" nodeType="clickEffect">
+                                  <p:stCondLst>
+                                    <p:cond delay="0"/>
+                                  </p:stCondLst>
+                                  <p:childTnLst>
+                                    <p:set>
+                                      <p:cBhvr>
+                                        <p:cTn id="54" dur="1" fill="hold">
+                                          <p:stCondLst>
+                                            <p:cond delay="0"/>
+                                          </p:stCondLst>
+                                        </p:cTn>
+                                        <p:tgtEl>
+                                          <p:spTgt spid="7">
+                                            <p:txEl>
+                                              <p:pRg st="5" end="5"/>
+                                            </p:txEl>
+                                          </p:spTgt>
+                                        </p:tgtEl>
+                                        <p:attrNameLst>
+                                          <p:attrName>style.visibility</p:attrName>
+                                        </p:attrNameLst>
+                                      </p:cBhvr>
+                                      <p:to>
+                                        <p:strVal val="visible"/>
+                                      </p:to>
+                                    </p:set>
+                                  </p:childTnLst>
+                                </p:cTn>
+                              </p:par>
+                            </p:childTnLst>
+                          </p:cTn>
+                        </p:par>
+                      </p:childTnLst>
+                    </p:cTn>
+                  </p:par>
+                  <p:par>
+                    <p:cTn id="55" fill="hold">
+                      <p:stCondLst>
+                        <p:cond delay="indefinite"/>
+                      </p:stCondLst>
+                      <p:childTnLst>
+                        <p:par>
+                          <p:cTn id="56" fill="hold">
+                            <p:stCondLst>
+                              <p:cond delay="0"/>
+                            </p:stCondLst>
+                            <p:childTnLst>
+                              <p:par>
+                                <p:cTn id="57" presetID="1" presetClass="entr" presetSubtype="0" fill="hold" grpId="0" nodeType="clickEffect">
+                                  <p:stCondLst>
+                                    <p:cond delay="0"/>
+                                  </p:stCondLst>
+                                  <p:childTnLst>
+                                    <p:set>
+                                      <p:cBhvr>
+                                        <p:cTn id="58" dur="1" fill="hold">
+                                          <p:stCondLst>
+                                            <p:cond delay="0"/>
+                                          </p:stCondLst>
+                                        </p:cTn>
+                                        <p:tgtEl>
+                                          <p:spTgt spid="7">
+                                            <p:txEl>
+                                              <p:pRg st="6" end="6"/>
+                                            </p:txEl>
+                                          </p:spTgt>
+                                        </p:tgtEl>
+                                        <p:attrNameLst>
+                                          <p:attrName>style.visibility</p:attrName>
+                                        </p:attrNameLst>
+                                      </p:cBhvr>
+                                      <p:to>
+                                        <p:strVal val="visible"/>
+                                      </p:to>
+                                    </p:set>
+                                  </p:childTnLst>
+                                </p:cTn>
+                              </p:par>
+                            </p:childTnLst>
+                          </p:cTn>
+                        </p:par>
+                      </p:childTnLst>
+                    </p:cTn>
+                  </p:par>
                 </p:childTnLst>
               </p:cTn>
               <p:prevCondLst>
@@ -6471,7 +7222,7 @@
           <a:p>
             <a:r>
               <a:rPr lang="de-DE" dirty="0"/>
-              <a:t>Oder Schreiben eines Tools </a:t>
+              <a:t>Ggf. Verwendung von Tools </a:t>
             </a:r>
           </a:p>
         </p:txBody>
@@ -7425,10 +8176,10 @@
       </p:grpSpPr>
       <p:sp>
         <p:nvSpPr>
-          <p:cNvPr id="2" name="Titel 1">
+          <p:cNvPr id="5" name="Datumsplatzhalter 4">
             <a:extLst>
               <a:ext uri="{FF2B5EF4-FFF2-40B4-BE49-F238E27FC236}">
-                <a16:creationId xmlns:a16="http://schemas.microsoft.com/office/drawing/2014/main" id="{247B82C8-B79C-4312-B718-0B159D67ED58}"/>
+                <a16:creationId xmlns:a16="http://schemas.microsoft.com/office/drawing/2014/main" id="{951082E2-190D-4829-87EE-E7A896672B63}"/>
               </a:ext>
             </a:extLst>
           </p:cNvPr>
@@ -7436,7 +8187,7 @@
             <a:spLocks noGrp="1"/>
           </p:cNvSpPr>
           <p:nvPr>
-            <p:ph type="title"/>
+            <p:ph type="dt" sz="half" idx="10"/>
           </p:nvPr>
         </p:nvSpPr>
         <p:spPr/>
@@ -7444,10 +8195,40 @@
           <a:bodyPr/>
           <a:lstStyle/>
           <a:p>
-            <a:r>
-              <a:rPr lang="de-DE" dirty="0"/>
-              <a:t>Demo</a:t>
-            </a:r>
+            <a:fld id="{0715DE98-FE77-4AC7-8491-6506D9F291C3}" type="datetime1">
+              <a:rPr lang="de-DE" smtClean="0"/>
+              <a:t>26.09.2018</a:t>
+            </a:fld>
+            <a:endParaRPr lang="de-DE" dirty="0"/>
+          </a:p>
+        </p:txBody>
+      </p:sp>
+      <p:sp>
+        <p:nvSpPr>
+          <p:cNvPr id="6" name="Fußzeilenplatzhalter 5">
+            <a:extLst>
+              <a:ext uri="{FF2B5EF4-FFF2-40B4-BE49-F238E27FC236}">
+                <a16:creationId xmlns:a16="http://schemas.microsoft.com/office/drawing/2014/main" id="{FEDC88F1-B0EF-4A65-9D27-8BDB04F7A99D}"/>
+              </a:ext>
+            </a:extLst>
+          </p:cNvPr>
+          <p:cNvSpPr>
+            <a:spLocks noGrp="1"/>
+          </p:cNvSpPr>
+          <p:nvPr>
+            <p:ph type="ftr" sz="quarter" idx="11"/>
+          </p:nvPr>
+        </p:nvSpPr>
+        <p:spPr/>
+        <p:txBody>
+          <a:bodyPr/>
+          <a:lstStyle/>
+          <a:p>
+            <a:r>
+              <a:rPr lang="en-US" dirty="0"/>
+              <a:t>Developing Multilingual Applications in WPF - Johannes Kolata</a:t>
+            </a:r>
+            <a:endParaRPr lang="de-DE" dirty="0"/>
           </a:p>
         </p:txBody>
       </p:sp>
@@ -7482,59 +8263,59 @@
       </p:sp>
       <p:sp>
         <p:nvSpPr>
-          <p:cNvPr id="5" name="Datumsplatzhalter 4">
+          <p:cNvPr id="7" name="Titel 1">
             <a:extLst>
               <a:ext uri="{FF2B5EF4-FFF2-40B4-BE49-F238E27FC236}">
-                <a16:creationId xmlns:a16="http://schemas.microsoft.com/office/drawing/2014/main" id="{951082E2-190D-4829-87EE-E7A896672B63}"/>
+                <a16:creationId xmlns:a16="http://schemas.microsoft.com/office/drawing/2014/main" id="{F7694E98-897E-40D5-8057-A13AE75A3AAC}"/>
               </a:ext>
             </a:extLst>
           </p:cNvPr>
-          <p:cNvSpPr>
-            <a:spLocks noGrp="1"/>
-          </p:cNvSpPr>
-          <p:nvPr>
-            <p:ph type="dt" sz="half" idx="10"/>
-          </p:nvPr>
-        </p:nvSpPr>
-        <p:spPr/>
-        <p:txBody>
-          <a:bodyPr/>
-          <a:lstStyle/>
-          <a:p>
-            <a:fld id="{0715DE98-FE77-4AC7-8491-6506D9F291C3}" type="datetime1">
-              <a:rPr lang="de-DE" smtClean="0"/>
-              <a:t>26.09.2018</a:t>
-            </a:fld>
-            <a:endParaRPr lang="de-DE" dirty="0"/>
-          </a:p>
-        </p:txBody>
-      </p:sp>
-      <p:sp>
-        <p:nvSpPr>
-          <p:cNvPr id="6" name="Fußzeilenplatzhalter 5">
-            <a:extLst>
-              <a:ext uri="{FF2B5EF4-FFF2-40B4-BE49-F238E27FC236}">
-                <a16:creationId xmlns:a16="http://schemas.microsoft.com/office/drawing/2014/main" id="{FEDC88F1-B0EF-4A65-9D27-8BDB04F7A99D}"/>
-              </a:ext>
-            </a:extLst>
-          </p:cNvPr>
-          <p:cNvSpPr>
-            <a:spLocks noGrp="1"/>
-          </p:cNvSpPr>
-          <p:nvPr>
-            <p:ph type="ftr" sz="quarter" idx="11"/>
-          </p:nvPr>
-        </p:nvSpPr>
-        <p:spPr/>
-        <p:txBody>
-          <a:bodyPr/>
-          <a:lstStyle/>
-          <a:p>
-            <a:r>
-              <a:rPr lang="en-US" dirty="0"/>
-              <a:t>Developing Multilingual Applications in WPF - Johannes Kolata</a:t>
-            </a:r>
-            <a:endParaRPr lang="de-DE" dirty="0"/>
+          <p:cNvSpPr txBox="1">
+            <a:spLocks/>
+          </p:cNvSpPr>
+          <p:nvPr/>
+        </p:nvSpPr>
+        <p:spPr>
+          <a:xfrm>
+            <a:off x="1097280" y="2775527"/>
+            <a:ext cx="10058400" cy="1306946"/>
+          </a:xfrm>
+          <a:prstGeom prst="rect">
+            <a:avLst/>
+          </a:prstGeom>
+        </p:spPr>
+        <p:txBody>
+          <a:bodyPr vert="horz" lIns="91440" tIns="45720" rIns="91440" bIns="45720" rtlCol="0" anchor="b">
+            <a:normAutofit/>
+          </a:bodyPr>
+          <a:lstStyle>
+            <a:lvl1pPr algn="l" defTabSz="914400" rtl="0" eaLnBrk="1" latinLnBrk="0" hangingPunct="1">
+              <a:lnSpc>
+                <a:spcPct val="85000"/>
+              </a:lnSpc>
+              <a:spcBef>
+                <a:spcPct val="0"/>
+              </a:spcBef>
+              <a:buNone/>
+              <a:defRPr sz="4800" kern="1200" spc="-50" baseline="0">
+                <a:solidFill>
+                  <a:schemeClr val="tx1">
+                    <a:lumMod val="75000"/>
+                    <a:lumOff val="25000"/>
+                  </a:schemeClr>
+                </a:solidFill>
+                <a:latin typeface="+mj-lt"/>
+                <a:ea typeface="+mj-ea"/>
+                <a:cs typeface="+mj-cs"/>
+              </a:defRPr>
+            </a:lvl1pPr>
+          </a:lstStyle>
+          <a:p>
+            <a:pPr algn="ctr"/>
+            <a:r>
+              <a:rPr lang="de-DE" sz="8800" dirty="0"/>
+              <a:t>Demo</a:t>
+            </a:r>
           </a:p>
         </p:txBody>
       </p:sp>
@@ -7570,6 +8351,93 @@
       </p:grpSpPr>
       <p:sp>
         <p:nvSpPr>
+          <p:cNvPr id="4" name="Datumsplatzhalter 3">
+            <a:extLst>
+              <a:ext uri="{FF2B5EF4-FFF2-40B4-BE49-F238E27FC236}">
+                <a16:creationId xmlns:a16="http://schemas.microsoft.com/office/drawing/2014/main" id="{E0757884-F292-46D5-B7D2-9DFF9DDE2ADB}"/>
+              </a:ext>
+            </a:extLst>
+          </p:cNvPr>
+          <p:cNvSpPr>
+            <a:spLocks noGrp="1"/>
+          </p:cNvSpPr>
+          <p:nvPr>
+            <p:ph type="dt" sz="half" idx="10"/>
+          </p:nvPr>
+        </p:nvSpPr>
+        <p:spPr/>
+        <p:txBody>
+          <a:bodyPr/>
+          <a:lstStyle/>
+          <a:p>
+            <a:fld id="{A9DF85A2-4E70-4052-9EF3-8D1C2615FEE2}" type="datetime1">
+              <a:rPr lang="de-DE" smtClean="0"/>
+              <a:t>26.09.2018</a:t>
+            </a:fld>
+            <a:endParaRPr lang="de-DE"/>
+          </a:p>
+        </p:txBody>
+      </p:sp>
+      <p:sp>
+        <p:nvSpPr>
+          <p:cNvPr id="5" name="Fußzeilenplatzhalter 4">
+            <a:extLst>
+              <a:ext uri="{FF2B5EF4-FFF2-40B4-BE49-F238E27FC236}">
+                <a16:creationId xmlns:a16="http://schemas.microsoft.com/office/drawing/2014/main" id="{8EA78228-F63B-4E04-B28D-942738CB7E6B}"/>
+              </a:ext>
+            </a:extLst>
+          </p:cNvPr>
+          <p:cNvSpPr>
+            <a:spLocks noGrp="1"/>
+          </p:cNvSpPr>
+          <p:nvPr>
+            <p:ph type="ftr" sz="quarter" idx="11"/>
+          </p:nvPr>
+        </p:nvSpPr>
+        <p:spPr/>
+        <p:txBody>
+          <a:bodyPr/>
+          <a:lstStyle/>
+          <a:p>
+            <a:r>
+              <a:rPr lang="en-US"/>
+              <a:t>Developing Multilingual Applications in WPF - Johannes Kolata</a:t>
+            </a:r>
+            <a:endParaRPr lang="de-DE"/>
+          </a:p>
+        </p:txBody>
+      </p:sp>
+      <p:sp>
+        <p:nvSpPr>
+          <p:cNvPr id="6" name="Foliennummernplatzhalter 5">
+            <a:extLst>
+              <a:ext uri="{FF2B5EF4-FFF2-40B4-BE49-F238E27FC236}">
+                <a16:creationId xmlns:a16="http://schemas.microsoft.com/office/drawing/2014/main" id="{8CE4CD0F-04C0-447F-A9BD-4B5638A138FB}"/>
+              </a:ext>
+            </a:extLst>
+          </p:cNvPr>
+          <p:cNvSpPr>
+            <a:spLocks noGrp="1"/>
+          </p:cNvSpPr>
+          <p:nvPr>
+            <p:ph type="sldNum" sz="quarter" idx="12"/>
+          </p:nvPr>
+        </p:nvSpPr>
+        <p:spPr/>
+        <p:txBody>
+          <a:bodyPr/>
+          <a:lstStyle/>
+          <a:p>
+            <a:fld id="{58CAACEB-2C49-4DBE-A548-363F7515F892}" type="slidenum">
+              <a:rPr lang="de-DE" smtClean="0"/>
+              <a:t>8</a:t>
+            </a:fld>
+            <a:endParaRPr lang="de-DE"/>
+          </a:p>
+        </p:txBody>
+      </p:sp>
+      <p:sp>
+        <p:nvSpPr>
           <p:cNvPr id="2" name="Titel 1">
             <a:extLst>
               <a:ext uri="{FF2B5EF4-FFF2-40B4-BE49-F238E27FC236}">
@@ -7581,105 +8449,26 @@
             <a:spLocks noGrp="1"/>
           </p:cNvSpPr>
           <p:nvPr>
-            <p:ph type="title"/>
-          </p:nvPr>
-        </p:nvSpPr>
-        <p:spPr/>
-        <p:txBody>
-          <a:bodyPr/>
+            <p:ph type="title" idx="4294967295"/>
+          </p:nvPr>
+        </p:nvSpPr>
+        <p:spPr>
+          <a:xfrm>
+            <a:off x="1154083" y="2774950"/>
+            <a:ext cx="10058400" cy="1308100"/>
+          </a:xfrm>
+        </p:spPr>
+        <p:txBody>
+          <a:bodyPr>
+            <a:normAutofit/>
+          </a:bodyPr>
           <a:lstStyle/>
           <a:p>
-            <a:r>
-              <a:rPr lang="de-DE" dirty="0"/>
+            <a:pPr algn="ctr"/>
+            <a:r>
+              <a:rPr lang="de-DE" sz="8800" dirty="0"/>
               <a:t>Fragen</a:t>
             </a:r>
-          </a:p>
-        </p:txBody>
-      </p:sp>
-      <p:sp>
-        <p:nvSpPr>
-          <p:cNvPr id="4" name="Datumsplatzhalter 3">
-            <a:extLst>
-              <a:ext uri="{FF2B5EF4-FFF2-40B4-BE49-F238E27FC236}">
-                <a16:creationId xmlns:a16="http://schemas.microsoft.com/office/drawing/2014/main" id="{E0757884-F292-46D5-B7D2-9DFF9DDE2ADB}"/>
-              </a:ext>
-            </a:extLst>
-          </p:cNvPr>
-          <p:cNvSpPr>
-            <a:spLocks noGrp="1"/>
-          </p:cNvSpPr>
-          <p:nvPr>
-            <p:ph type="dt" sz="half" idx="10"/>
-          </p:nvPr>
-        </p:nvSpPr>
-        <p:spPr/>
-        <p:txBody>
-          <a:bodyPr/>
-          <a:lstStyle/>
-          <a:p>
-            <a:fld id="{A9DF85A2-4E70-4052-9EF3-8D1C2615FEE2}" type="datetime1">
-              <a:rPr lang="de-DE" smtClean="0"/>
-              <a:t>26.09.2018</a:t>
-            </a:fld>
-            <a:endParaRPr lang="de-DE"/>
-          </a:p>
-        </p:txBody>
-      </p:sp>
-      <p:sp>
-        <p:nvSpPr>
-          <p:cNvPr id="5" name="Fußzeilenplatzhalter 4">
-            <a:extLst>
-              <a:ext uri="{FF2B5EF4-FFF2-40B4-BE49-F238E27FC236}">
-                <a16:creationId xmlns:a16="http://schemas.microsoft.com/office/drawing/2014/main" id="{8EA78228-F63B-4E04-B28D-942738CB7E6B}"/>
-              </a:ext>
-            </a:extLst>
-          </p:cNvPr>
-          <p:cNvSpPr>
-            <a:spLocks noGrp="1"/>
-          </p:cNvSpPr>
-          <p:nvPr>
-            <p:ph type="ftr" sz="quarter" idx="11"/>
-          </p:nvPr>
-        </p:nvSpPr>
-        <p:spPr/>
-        <p:txBody>
-          <a:bodyPr/>
-          <a:lstStyle/>
-          <a:p>
-            <a:r>
-              <a:rPr lang="en-US"/>
-              <a:t>Developing Multilingual Applications in WPF - Johannes Kolata</a:t>
-            </a:r>
-            <a:endParaRPr lang="de-DE"/>
-          </a:p>
-        </p:txBody>
-      </p:sp>
-      <p:sp>
-        <p:nvSpPr>
-          <p:cNvPr id="6" name="Foliennummernplatzhalter 5">
-            <a:extLst>
-              <a:ext uri="{FF2B5EF4-FFF2-40B4-BE49-F238E27FC236}">
-                <a16:creationId xmlns:a16="http://schemas.microsoft.com/office/drawing/2014/main" id="{8CE4CD0F-04C0-447F-A9BD-4B5638A138FB}"/>
-              </a:ext>
-            </a:extLst>
-          </p:cNvPr>
-          <p:cNvSpPr>
-            <a:spLocks noGrp="1"/>
-          </p:cNvSpPr>
-          <p:nvPr>
-            <p:ph type="sldNum" sz="quarter" idx="12"/>
-          </p:nvPr>
-        </p:nvSpPr>
-        <p:spPr/>
-        <p:txBody>
-          <a:bodyPr/>
-          <a:lstStyle/>
-          <a:p>
-            <a:fld id="{58CAACEB-2C49-4DBE-A548-363F7515F892}" type="slidenum">
-              <a:rPr lang="de-DE" smtClean="0"/>
-              <a:t>8</a:t>
-            </a:fld>
-            <a:endParaRPr lang="de-DE"/>
           </a:p>
         </p:txBody>
       </p:sp>
